--- a/248233U - J. A. A. M. Jayaweera - Presentation.pptx
+++ b/248233U - J. A. A. M. Jayaweera - Presentation.pptx
@@ -1,106 +1,49 @@
 
 <file path=ppt/presentation.xml><?xml version="1.0" encoding="utf-8"?>
-<p:presentation xmlns:a="http://schemas.openxmlformats.org/drawingml/2006/main" xmlns:r="http://schemas.openxmlformats.org/officeDocument/2006/relationships" xmlns:p="http://schemas.openxmlformats.org/presentationml/2006/main" saveSubsetFonts="1" embedTrueTypeFonts="true">
+<p:presentation xmlns:a="http://schemas.openxmlformats.org/drawingml/2006/main" xmlns:r="http://schemas.openxmlformats.org/officeDocument/2006/relationships" xmlns:p="http://schemas.openxmlformats.org/presentationml/2006/main" embedTrueTypeFonts="1" saveSubsetFonts="1">
   <p:sldMasterIdLst>
     <p:sldMasterId id="2147483648" r:id="rId1"/>
   </p:sldMasterIdLst>
   <p:sldIdLst>
-    <p:sldId id="256" r:id="rId27"/>
-    <p:sldId id="257" r:id="rId28"/>
-    <p:sldId id="258" r:id="rId29"/>
-    <p:sldId id="259" r:id="rId30"/>
-    <p:sldId id="260" r:id="rId31"/>
-    <p:sldId id="261" r:id="rId32"/>
-    <p:sldId id="262" r:id="rId33"/>
-    <p:sldId id="263" r:id="rId34"/>
-    <p:sldId id="264" r:id="rId35"/>
+    <p:sldId id="256" r:id="rId2"/>
+    <p:sldId id="257" r:id="rId3"/>
+    <p:sldId id="258" r:id="rId4"/>
+    <p:sldId id="259" r:id="rId5"/>
+    <p:sldId id="260" r:id="rId6"/>
+    <p:sldId id="261" r:id="rId7"/>
+    <p:sldId id="262" r:id="rId8"/>
+    <p:sldId id="263" r:id="rId9"/>
+    <p:sldId id="264" r:id="rId10"/>
   </p:sldIdLst>
   <p:sldSz cx="18288000" cy="10287000"/>
   <p:notesSz cx="6858000" cy="9144000"/>
   <p:embeddedFontLst>
     <p:embeddedFont>
-      <p:font typeface="Arimo" charset="1" panose="020B0604020202020204"/>
-      <p:regular r:id="rId6"/>
+      <p:font typeface="Bricolage Grotesque Bold" panose="020B0605040402000204" pitchFamily="34" charset="0"/>
+      <p:regular r:id="rId11"/>
+      <p:bold r:id="rId12"/>
     </p:embeddedFont>
     <p:embeddedFont>
-      <p:font typeface="Arimo Bold" charset="1" panose="020B0704020202020204"/>
-      <p:regular r:id="rId7"/>
-    </p:embeddedFont>
-    <p:embeddedFont>
-      <p:font typeface="Arimo Italics" charset="1" panose="020B0604020202090204"/>
-      <p:regular r:id="rId8"/>
-    </p:embeddedFont>
-    <p:embeddedFont>
-      <p:font typeface="Arimo Bold Italics" charset="1" panose="020B0704020202090204"/>
-      <p:regular r:id="rId9"/>
-    </p:embeddedFont>
-    <p:embeddedFont>
-      <p:font typeface="HK Grotesk" charset="1" panose="00000500000000000000"/>
-      <p:regular r:id="rId10"/>
-    </p:embeddedFont>
-    <p:embeddedFont>
-      <p:font typeface="HK Grotesk Bold" charset="1" panose="00000800000000000000"/>
-      <p:regular r:id="rId11"/>
-    </p:embeddedFont>
-    <p:embeddedFont>
-      <p:font typeface="HK Grotesk Italics" charset="1" panose="00000500000000000000"/>
-      <p:regular r:id="rId12"/>
-    </p:embeddedFont>
-    <p:embeddedFont>
-      <p:font typeface="HK Grotesk Bold Italics" charset="1" panose="00000800000000000000"/>
+      <p:font typeface="Bricolage Grotesque Light" panose="020B0605040402000204" pitchFamily="34" charset="0"/>
       <p:regular r:id="rId13"/>
     </p:embeddedFont>
     <p:embeddedFont>
-      <p:font typeface="HK Grotesk Light" charset="1" panose="00000400000000000000"/>
+      <p:font typeface="Bricolage Grotesque Medium" panose="020B0605040402000204" pitchFamily="34" charset="0"/>
       <p:regular r:id="rId14"/>
     </p:embeddedFont>
     <p:embeddedFont>
-      <p:font typeface="HK Grotesk Light Italics" charset="1" panose="00000400000000000000"/>
+      <p:font typeface="Bricolage Grotesque Semi-Bold" panose="020B0605040402000204" pitchFamily="34" charset="0"/>
       <p:regular r:id="rId15"/>
+      <p:bold r:id="rId16"/>
     </p:embeddedFont>
     <p:embeddedFont>
-      <p:font typeface="HK Grotesk Medium" charset="1" panose="00000600000000000000"/>
-      <p:regular r:id="rId16"/>
-    </p:embeddedFont>
-    <p:embeddedFont>
-      <p:font typeface="HK Grotesk Medium Italics" charset="1" panose="00000600000000000000"/>
+      <p:font typeface="HK Grotesk" pitchFamily="2" charset="77"/>
       <p:regular r:id="rId17"/>
     </p:embeddedFont>
     <p:embeddedFont>
-      <p:font typeface="HK Grotesk Semi-Bold" charset="1" panose="00000700000000000000"/>
+      <p:font typeface="HK Grotesk Bold" pitchFamily="2" charset="77"/>
       <p:regular r:id="rId18"/>
-    </p:embeddedFont>
-    <p:embeddedFont>
-      <p:font typeface="HK Grotesk Semi-Bold Italics" charset="1" panose="00000700000000000000"/>
-      <p:regular r:id="rId19"/>
-    </p:embeddedFont>
-    <p:embeddedFont>
-      <p:font typeface="Bricolage Grotesque" charset="1" panose="020B0605040402000204"/>
-      <p:regular r:id="rId20"/>
-    </p:embeddedFont>
-    <p:embeddedFont>
-      <p:font typeface="Bricolage Grotesque Bold" charset="1" panose="020B0605040402000204"/>
-      <p:regular r:id="rId21"/>
-    </p:embeddedFont>
-    <p:embeddedFont>
-      <p:font typeface="Bricolage Grotesque Extra-Light" charset="1" panose="020B0605040402000204"/>
-      <p:regular r:id="rId22"/>
-    </p:embeddedFont>
-    <p:embeddedFont>
-      <p:font typeface="Bricolage Grotesque Light" charset="1" panose="020B0605040402000204"/>
-      <p:regular r:id="rId23"/>
-    </p:embeddedFont>
-    <p:embeddedFont>
-      <p:font typeface="Bricolage Grotesque Medium" charset="1" panose="020B0605040402000204"/>
-      <p:regular r:id="rId24"/>
-    </p:embeddedFont>
-    <p:embeddedFont>
-      <p:font typeface="Bricolage Grotesque Semi-Bold" charset="1" panose="020B0605040402000204"/>
-      <p:regular r:id="rId25"/>
-    </p:embeddedFont>
-    <p:embeddedFont>
-      <p:font typeface="Bricolage Grotesque Ultra-Bold" charset="1" panose="020B0605040402000204"/>
-      <p:regular r:id="rId26"/>
+      <p:bold r:id="rId19"/>
     </p:embeddedFont>
   </p:embeddedFontLst>
   <p:defaultTextStyle>
@@ -198,6 +141,22 @@
       </a:defRPr>
     </a:lvl9pPr>
   </p:defaultTextStyle>
+  <p:extLst>
+    <p:ext uri="{EFAFB233-063F-42B5-8137-9DF3F51BA10A}">
+      <p15:sldGuideLst xmlns:p15="http://schemas.microsoft.com/office/powerpoint/2012/main">
+        <p15:guide id="1" orient="horz" pos="2160">
+          <p15:clr>
+            <a:srgbClr val="A4A3A4"/>
+          </p15:clr>
+        </p15:guide>
+        <p15:guide id="2" pos="2880">
+          <p15:clr>
+            <a:srgbClr val="A4A3A4"/>
+          </p15:clr>
+        </p15:guide>
+      </p15:sldGuideLst>
+    </p:ext>
+  </p:extLst>
 </p:presentation>
 </file>
 
@@ -239,10 +198,9 @@
           <a:lstStyle/>
           <a:p>
             <a:r>
-              <a:rPr lang="en-US" smtClean="0"/>
+              <a:rPr lang="en-US"/>
               <a:t>Click to edit Master title style</a:t>
             </a:r>
-            <a:endParaRPr lang="en-US"/>
           </a:p>
         </p:txBody>
       </p:sp>
@@ -358,10 +316,9 @@
           </a:lstStyle>
           <a:p>
             <a:r>
-              <a:rPr lang="en-US" smtClean="0"/>
+              <a:rPr lang="en-US"/>
               <a:t>Click to edit Master subtitle style</a:t>
             </a:r>
-            <a:endParaRPr lang="en-US"/>
           </a:p>
         </p:txBody>
       </p:sp>
@@ -383,7 +340,7 @@
             <a:fld id="{1D8BD707-D9CF-40AE-B4C6-C98DA3205C09}" type="datetimeFigureOut">
               <a:rPr lang="en-US" smtClean="0"/>
               <a:pPr/>
-              <a:t>8/1/2011</a:t>
+              <a:t>3/4/24</a:t>
             </a:fld>
             <a:endParaRPr lang="en-US"/>
           </a:p>
@@ -473,10 +430,9 @@
           <a:lstStyle/>
           <a:p>
             <a:r>
-              <a:rPr lang="en-US" smtClean="0"/>
+              <a:rPr lang="en-US"/>
               <a:t>Click to edit Master title style</a:t>
             </a:r>
-            <a:endParaRPr lang="en-US"/>
           </a:p>
         </p:txBody>
       </p:sp>
@@ -497,38 +453,37 @@
           <a:p>
             <a:pPr lvl="0"/>
             <a:r>
-              <a:rPr lang="en-US" smtClean="0"/>
+              <a:rPr lang="en-US"/>
               <a:t>Click to edit Master text styles</a:t>
             </a:r>
           </a:p>
           <a:p>
             <a:pPr lvl="1"/>
             <a:r>
-              <a:rPr lang="en-US" smtClean="0"/>
+              <a:rPr lang="en-US"/>
               <a:t>Second level</a:t>
             </a:r>
           </a:p>
           <a:p>
             <a:pPr lvl="2"/>
             <a:r>
-              <a:rPr lang="en-US" smtClean="0"/>
+              <a:rPr lang="en-US"/>
               <a:t>Third level</a:t>
             </a:r>
           </a:p>
           <a:p>
             <a:pPr lvl="3"/>
             <a:r>
-              <a:rPr lang="en-US" smtClean="0"/>
+              <a:rPr lang="en-US"/>
               <a:t>Fourth level</a:t>
             </a:r>
           </a:p>
           <a:p>
             <a:pPr lvl="4"/>
             <a:r>
-              <a:rPr lang="en-US" smtClean="0"/>
+              <a:rPr lang="en-US"/>
               <a:t>Fifth level</a:t>
             </a:r>
-            <a:endParaRPr lang="en-US"/>
           </a:p>
         </p:txBody>
       </p:sp>
@@ -550,7 +505,7 @@
             <a:fld id="{1D8BD707-D9CF-40AE-B4C6-C98DA3205C09}" type="datetimeFigureOut">
               <a:rPr lang="en-US" smtClean="0"/>
               <a:pPr/>
-              <a:t>8/1/2011</a:t>
+              <a:t>3/4/24</a:t>
             </a:fld>
             <a:endParaRPr lang="en-US"/>
           </a:p>
@@ -645,10 +600,9 @@
           <a:lstStyle/>
           <a:p>
             <a:r>
-              <a:rPr lang="en-US" smtClean="0"/>
+              <a:rPr lang="en-US"/>
               <a:t>Click to edit Master title style</a:t>
             </a:r>
-            <a:endParaRPr lang="en-US"/>
           </a:p>
         </p:txBody>
       </p:sp>
@@ -674,38 +628,37 @@
           <a:p>
             <a:pPr lvl="0"/>
             <a:r>
-              <a:rPr lang="en-US" smtClean="0"/>
+              <a:rPr lang="en-US"/>
               <a:t>Click to edit Master text styles</a:t>
             </a:r>
           </a:p>
           <a:p>
             <a:pPr lvl="1"/>
             <a:r>
-              <a:rPr lang="en-US" smtClean="0"/>
+              <a:rPr lang="en-US"/>
               <a:t>Second level</a:t>
             </a:r>
           </a:p>
           <a:p>
             <a:pPr lvl="2"/>
             <a:r>
-              <a:rPr lang="en-US" smtClean="0"/>
+              <a:rPr lang="en-US"/>
               <a:t>Third level</a:t>
             </a:r>
           </a:p>
           <a:p>
             <a:pPr lvl="3"/>
             <a:r>
-              <a:rPr lang="en-US" smtClean="0"/>
+              <a:rPr lang="en-US"/>
               <a:t>Fourth level</a:t>
             </a:r>
           </a:p>
           <a:p>
             <a:pPr lvl="4"/>
             <a:r>
-              <a:rPr lang="en-US" smtClean="0"/>
+              <a:rPr lang="en-US"/>
               <a:t>Fifth level</a:t>
             </a:r>
-            <a:endParaRPr lang="en-US"/>
           </a:p>
         </p:txBody>
       </p:sp>
@@ -727,7 +680,7 @@
             <a:fld id="{1D8BD707-D9CF-40AE-B4C6-C98DA3205C09}" type="datetimeFigureOut">
               <a:rPr lang="en-US" smtClean="0"/>
               <a:pPr/>
-              <a:t>8/1/2011</a:t>
+              <a:t>3/4/24</a:t>
             </a:fld>
             <a:endParaRPr lang="en-US"/>
           </a:p>
@@ -817,10 +770,9 @@
           <a:lstStyle/>
           <a:p>
             <a:r>
-              <a:rPr lang="en-US" smtClean="0"/>
+              <a:rPr lang="en-US"/>
               <a:t>Click to edit Master title style</a:t>
             </a:r>
-            <a:endParaRPr lang="en-US"/>
           </a:p>
         </p:txBody>
       </p:sp>
@@ -841,38 +793,37 @@
           <a:p>
             <a:pPr lvl="0"/>
             <a:r>
-              <a:rPr lang="en-US" smtClean="0"/>
+              <a:rPr lang="en-US"/>
               <a:t>Click to edit Master text styles</a:t>
             </a:r>
           </a:p>
           <a:p>
             <a:pPr lvl="1"/>
             <a:r>
-              <a:rPr lang="en-US" smtClean="0"/>
+              <a:rPr lang="en-US"/>
               <a:t>Second level</a:t>
             </a:r>
           </a:p>
           <a:p>
             <a:pPr lvl="2"/>
             <a:r>
-              <a:rPr lang="en-US" smtClean="0"/>
+              <a:rPr lang="en-US"/>
               <a:t>Third level</a:t>
             </a:r>
           </a:p>
           <a:p>
             <a:pPr lvl="3"/>
             <a:r>
-              <a:rPr lang="en-US" smtClean="0"/>
+              <a:rPr lang="en-US"/>
               <a:t>Fourth level</a:t>
             </a:r>
           </a:p>
           <a:p>
             <a:pPr lvl="4"/>
             <a:r>
-              <a:rPr lang="en-US" smtClean="0"/>
+              <a:rPr lang="en-US"/>
               <a:t>Fifth level</a:t>
             </a:r>
-            <a:endParaRPr lang="en-US"/>
           </a:p>
         </p:txBody>
       </p:sp>
@@ -894,7 +845,7 @@
             <a:fld id="{1D8BD707-D9CF-40AE-B4C6-C98DA3205C09}" type="datetimeFigureOut">
               <a:rPr lang="en-US" smtClean="0"/>
               <a:pPr/>
-              <a:t>8/1/2011</a:t>
+              <a:t>3/4/24</a:t>
             </a:fld>
             <a:endParaRPr lang="en-US"/>
           </a:p>
@@ -993,10 +944,9 @@
           </a:lstStyle>
           <a:p>
             <a:r>
-              <a:rPr lang="en-US" smtClean="0"/>
+              <a:rPr lang="en-US"/>
               <a:t>Click to edit Master title style</a:t>
             </a:r>
-            <a:endParaRPr lang="en-US"/>
           </a:p>
         </p:txBody>
       </p:sp>
@@ -1113,7 +1063,7 @@
           <a:p>
             <a:pPr lvl="0"/>
             <a:r>
-              <a:rPr lang="en-US" smtClean="0"/>
+              <a:rPr lang="en-US"/>
               <a:t>Click to edit Master text styles</a:t>
             </a:r>
           </a:p>
@@ -1137,7 +1087,7 @@
             <a:fld id="{1D8BD707-D9CF-40AE-B4C6-C98DA3205C09}" type="datetimeFigureOut">
               <a:rPr lang="en-US" smtClean="0"/>
               <a:pPr/>
-              <a:t>8/1/2011</a:t>
+              <a:t>3/4/24</a:t>
             </a:fld>
             <a:endParaRPr lang="en-US"/>
           </a:p>
@@ -1227,10 +1177,9 @@
           <a:lstStyle/>
           <a:p>
             <a:r>
-              <a:rPr lang="en-US" smtClean="0"/>
+              <a:rPr lang="en-US"/>
               <a:t>Click to edit Master title style</a:t>
             </a:r>
-            <a:endParaRPr lang="en-US"/>
           </a:p>
         </p:txBody>
       </p:sp>
@@ -1284,38 +1233,37 @@
           <a:p>
             <a:pPr lvl="0"/>
             <a:r>
-              <a:rPr lang="en-US" smtClean="0"/>
+              <a:rPr lang="en-US"/>
               <a:t>Click to edit Master text styles</a:t>
             </a:r>
           </a:p>
           <a:p>
             <a:pPr lvl="1"/>
             <a:r>
-              <a:rPr lang="en-US" smtClean="0"/>
+              <a:rPr lang="en-US"/>
               <a:t>Second level</a:t>
             </a:r>
           </a:p>
           <a:p>
             <a:pPr lvl="2"/>
             <a:r>
-              <a:rPr lang="en-US" smtClean="0"/>
+              <a:rPr lang="en-US"/>
               <a:t>Third level</a:t>
             </a:r>
           </a:p>
           <a:p>
             <a:pPr lvl="3"/>
             <a:r>
-              <a:rPr lang="en-US" smtClean="0"/>
+              <a:rPr lang="en-US"/>
               <a:t>Fourth level</a:t>
             </a:r>
           </a:p>
           <a:p>
             <a:pPr lvl="4"/>
             <a:r>
-              <a:rPr lang="en-US" smtClean="0"/>
+              <a:rPr lang="en-US"/>
               <a:t>Fifth level</a:t>
             </a:r>
-            <a:endParaRPr lang="en-US"/>
           </a:p>
         </p:txBody>
       </p:sp>
@@ -1369,38 +1317,37 @@
           <a:p>
             <a:pPr lvl="0"/>
             <a:r>
-              <a:rPr lang="en-US" smtClean="0"/>
+              <a:rPr lang="en-US"/>
               <a:t>Click to edit Master text styles</a:t>
             </a:r>
           </a:p>
           <a:p>
             <a:pPr lvl="1"/>
             <a:r>
-              <a:rPr lang="en-US" smtClean="0"/>
+              <a:rPr lang="en-US"/>
               <a:t>Second level</a:t>
             </a:r>
           </a:p>
           <a:p>
             <a:pPr lvl="2"/>
             <a:r>
-              <a:rPr lang="en-US" smtClean="0"/>
+              <a:rPr lang="en-US"/>
               <a:t>Third level</a:t>
             </a:r>
           </a:p>
           <a:p>
             <a:pPr lvl="3"/>
             <a:r>
-              <a:rPr lang="en-US" smtClean="0"/>
+              <a:rPr lang="en-US"/>
               <a:t>Fourth level</a:t>
             </a:r>
           </a:p>
           <a:p>
             <a:pPr lvl="4"/>
             <a:r>
-              <a:rPr lang="en-US" smtClean="0"/>
+              <a:rPr lang="en-US"/>
               <a:t>Fifth level</a:t>
             </a:r>
-            <a:endParaRPr lang="en-US"/>
           </a:p>
         </p:txBody>
       </p:sp>
@@ -1422,7 +1369,7 @@
             <a:fld id="{1D8BD707-D9CF-40AE-B4C6-C98DA3205C09}" type="datetimeFigureOut">
               <a:rPr lang="en-US" smtClean="0"/>
               <a:pPr/>
-              <a:t>8/1/2011</a:t>
+              <a:t>3/4/24</a:t>
             </a:fld>
             <a:endParaRPr lang="en-US"/>
           </a:p>
@@ -1516,10 +1463,9 @@
           </a:lstStyle>
           <a:p>
             <a:r>
-              <a:rPr lang="en-US" smtClean="0"/>
+              <a:rPr lang="en-US"/>
               <a:t>Click to edit Master title style</a:t>
             </a:r>
-            <a:endParaRPr lang="en-US"/>
           </a:p>
         </p:txBody>
       </p:sp>
@@ -1582,7 +1528,7 @@
           <a:p>
             <a:pPr lvl="0"/>
             <a:r>
-              <a:rPr lang="en-US" smtClean="0"/>
+              <a:rPr lang="en-US"/>
               <a:t>Click to edit Master text styles</a:t>
             </a:r>
           </a:p>
@@ -1638,38 +1584,37 @@
           <a:p>
             <a:pPr lvl="0"/>
             <a:r>
-              <a:rPr lang="en-US" smtClean="0"/>
+              <a:rPr lang="en-US"/>
               <a:t>Click to edit Master text styles</a:t>
             </a:r>
           </a:p>
           <a:p>
             <a:pPr lvl="1"/>
             <a:r>
-              <a:rPr lang="en-US" smtClean="0"/>
+              <a:rPr lang="en-US"/>
               <a:t>Second level</a:t>
             </a:r>
           </a:p>
           <a:p>
             <a:pPr lvl="2"/>
             <a:r>
-              <a:rPr lang="en-US" smtClean="0"/>
+              <a:rPr lang="en-US"/>
               <a:t>Third level</a:t>
             </a:r>
           </a:p>
           <a:p>
             <a:pPr lvl="3"/>
             <a:r>
-              <a:rPr lang="en-US" smtClean="0"/>
+              <a:rPr lang="en-US"/>
               <a:t>Fourth level</a:t>
             </a:r>
           </a:p>
           <a:p>
             <a:pPr lvl="4"/>
             <a:r>
-              <a:rPr lang="en-US" smtClean="0"/>
+              <a:rPr lang="en-US"/>
               <a:t>Fifth level</a:t>
             </a:r>
-            <a:endParaRPr lang="en-US"/>
           </a:p>
         </p:txBody>
       </p:sp>
@@ -1732,7 +1677,7 @@
           <a:p>
             <a:pPr lvl="0"/>
             <a:r>
-              <a:rPr lang="en-US" smtClean="0"/>
+              <a:rPr lang="en-US"/>
               <a:t>Click to edit Master text styles</a:t>
             </a:r>
           </a:p>
@@ -1788,38 +1733,37 @@
           <a:p>
             <a:pPr lvl="0"/>
             <a:r>
-              <a:rPr lang="en-US" smtClean="0"/>
+              <a:rPr lang="en-US"/>
               <a:t>Click to edit Master text styles</a:t>
             </a:r>
           </a:p>
           <a:p>
             <a:pPr lvl="1"/>
             <a:r>
-              <a:rPr lang="en-US" smtClean="0"/>
+              <a:rPr lang="en-US"/>
               <a:t>Second level</a:t>
             </a:r>
           </a:p>
           <a:p>
             <a:pPr lvl="2"/>
             <a:r>
-              <a:rPr lang="en-US" smtClean="0"/>
+              <a:rPr lang="en-US"/>
               <a:t>Third level</a:t>
             </a:r>
           </a:p>
           <a:p>
             <a:pPr lvl="3"/>
             <a:r>
-              <a:rPr lang="en-US" smtClean="0"/>
+              <a:rPr lang="en-US"/>
               <a:t>Fourth level</a:t>
             </a:r>
           </a:p>
           <a:p>
             <a:pPr lvl="4"/>
             <a:r>
-              <a:rPr lang="en-US" smtClean="0"/>
+              <a:rPr lang="en-US"/>
               <a:t>Fifth level</a:t>
             </a:r>
-            <a:endParaRPr lang="en-US"/>
           </a:p>
         </p:txBody>
       </p:sp>
@@ -1841,7 +1785,7 @@
             <a:fld id="{1D8BD707-D9CF-40AE-B4C6-C98DA3205C09}" type="datetimeFigureOut">
               <a:rPr lang="en-US" smtClean="0"/>
               <a:pPr/>
-              <a:t>8/1/2011</a:t>
+              <a:t>3/4/24</a:t>
             </a:fld>
             <a:endParaRPr lang="en-US"/>
           </a:p>
@@ -1931,10 +1875,9 @@
           <a:lstStyle/>
           <a:p>
             <a:r>
-              <a:rPr lang="en-US" smtClean="0"/>
+              <a:rPr lang="en-US"/>
               <a:t>Click to edit Master title style</a:t>
             </a:r>
-            <a:endParaRPr lang="en-US"/>
           </a:p>
         </p:txBody>
       </p:sp>
@@ -1956,7 +1899,7 @@
             <a:fld id="{1D8BD707-D9CF-40AE-B4C6-C98DA3205C09}" type="datetimeFigureOut">
               <a:rPr lang="en-US" smtClean="0"/>
               <a:pPr/>
-              <a:t>8/1/2011</a:t>
+              <a:t>3/4/24</a:t>
             </a:fld>
             <a:endParaRPr lang="en-US"/>
           </a:p>
@@ -2048,7 +1991,7 @@
             <a:fld id="{1D8BD707-D9CF-40AE-B4C6-C98DA3205C09}" type="datetimeFigureOut">
               <a:rPr lang="en-US" smtClean="0"/>
               <a:pPr/>
-              <a:t>8/1/2011</a:t>
+              <a:t>3/4/24</a:t>
             </a:fld>
             <a:endParaRPr lang="en-US"/>
           </a:p>
@@ -2147,10 +2090,9 @@
           </a:lstStyle>
           <a:p>
             <a:r>
-              <a:rPr lang="en-US" smtClean="0"/>
+              <a:rPr lang="en-US"/>
               <a:t>Click to edit Master title style</a:t>
             </a:r>
-            <a:endParaRPr lang="en-US"/>
           </a:p>
         </p:txBody>
       </p:sp>
@@ -2204,38 +2146,37 @@
           <a:p>
             <a:pPr lvl="0"/>
             <a:r>
-              <a:rPr lang="en-US" smtClean="0"/>
+              <a:rPr lang="en-US"/>
               <a:t>Click to edit Master text styles</a:t>
             </a:r>
           </a:p>
           <a:p>
             <a:pPr lvl="1"/>
             <a:r>
-              <a:rPr lang="en-US" smtClean="0"/>
+              <a:rPr lang="en-US"/>
               <a:t>Second level</a:t>
             </a:r>
           </a:p>
           <a:p>
             <a:pPr lvl="2"/>
             <a:r>
-              <a:rPr lang="en-US" smtClean="0"/>
+              <a:rPr lang="en-US"/>
               <a:t>Third level</a:t>
             </a:r>
           </a:p>
           <a:p>
             <a:pPr lvl="3"/>
             <a:r>
-              <a:rPr lang="en-US" smtClean="0"/>
+              <a:rPr lang="en-US"/>
               <a:t>Fourth level</a:t>
             </a:r>
           </a:p>
           <a:p>
             <a:pPr lvl="4"/>
             <a:r>
-              <a:rPr lang="en-US" smtClean="0"/>
+              <a:rPr lang="en-US"/>
               <a:t>Fifth level</a:t>
             </a:r>
-            <a:endParaRPr lang="en-US"/>
           </a:p>
         </p:txBody>
       </p:sp>
@@ -2298,7 +2239,7 @@
           <a:p>
             <a:pPr lvl="0"/>
             <a:r>
-              <a:rPr lang="en-US" smtClean="0"/>
+              <a:rPr lang="en-US"/>
               <a:t>Click to edit Master text styles</a:t>
             </a:r>
           </a:p>
@@ -2322,7 +2263,7 @@
             <a:fld id="{1D8BD707-D9CF-40AE-B4C6-C98DA3205C09}" type="datetimeFigureOut">
               <a:rPr lang="en-US" smtClean="0"/>
               <a:pPr/>
-              <a:t>8/1/2011</a:t>
+              <a:t>3/4/24</a:t>
             </a:fld>
             <a:endParaRPr lang="en-US"/>
           </a:p>
@@ -2421,10 +2362,9 @@
           </a:lstStyle>
           <a:p>
             <a:r>
-              <a:rPr lang="en-US" smtClean="0"/>
+              <a:rPr lang="en-US"/>
               <a:t>Click to edit Master title style</a:t>
             </a:r>
-            <a:endParaRPr lang="en-US"/>
           </a:p>
         </p:txBody>
       </p:sp>
@@ -2548,7 +2488,7 @@
           <a:p>
             <a:pPr lvl="0"/>
             <a:r>
-              <a:rPr lang="en-US" smtClean="0"/>
+              <a:rPr lang="en-US"/>
               <a:t>Click to edit Master text styles</a:t>
             </a:r>
           </a:p>
@@ -2572,7 +2512,7 @@
             <a:fld id="{1D8BD707-D9CF-40AE-B4C6-C98DA3205C09}" type="datetimeFigureOut">
               <a:rPr lang="en-US" smtClean="0"/>
               <a:pPr/>
-              <a:t>8/1/2011</a:t>
+              <a:t>3/4/24</a:t>
             </a:fld>
             <a:endParaRPr lang="en-US"/>
           </a:p>
@@ -2677,10 +2617,9 @@
           <a:lstStyle/>
           <a:p>
             <a:r>
-              <a:rPr lang="en-US" smtClean="0"/>
+              <a:rPr lang="en-US"/>
               <a:t>Click to edit Master title style</a:t>
             </a:r>
-            <a:endParaRPr lang="en-US"/>
           </a:p>
         </p:txBody>
       </p:sp>
@@ -2711,38 +2650,37 @@
           <a:p>
             <a:pPr lvl="0"/>
             <a:r>
-              <a:rPr lang="en-US" smtClean="0"/>
+              <a:rPr lang="en-US"/>
               <a:t>Click to edit Master text styles</a:t>
             </a:r>
           </a:p>
           <a:p>
             <a:pPr lvl="1"/>
             <a:r>
-              <a:rPr lang="en-US" smtClean="0"/>
+              <a:rPr lang="en-US"/>
               <a:t>Second level</a:t>
             </a:r>
           </a:p>
           <a:p>
             <a:pPr lvl="2"/>
             <a:r>
-              <a:rPr lang="en-US" smtClean="0"/>
+              <a:rPr lang="en-US"/>
               <a:t>Third level</a:t>
             </a:r>
           </a:p>
           <a:p>
             <a:pPr lvl="3"/>
             <a:r>
-              <a:rPr lang="en-US" smtClean="0"/>
+              <a:rPr lang="en-US"/>
               <a:t>Fourth level</a:t>
             </a:r>
           </a:p>
           <a:p>
             <a:pPr lvl="4"/>
             <a:r>
-              <a:rPr lang="en-US" smtClean="0"/>
+              <a:rPr lang="en-US"/>
               <a:t>Fifth level</a:t>
             </a:r>
-            <a:endParaRPr lang="en-US"/>
           </a:p>
         </p:txBody>
       </p:sp>
@@ -2782,7 +2720,7 @@
             <a:fld id="{1D8BD707-D9CF-40AE-B4C6-C98DA3205C09}" type="datetimeFigureOut">
               <a:rPr lang="en-US" smtClean="0"/>
               <a:pPr/>
-              <a:t>8/1/2011</a:t>
+              <a:t>3/4/24</a:t>
             </a:fld>
             <a:endParaRPr lang="en-US"/>
           </a:p>
@@ -3137,13 +3075,14 @@
 </file>
 
 <file path=ppt/slides/slide1.xml><?xml version="1.0" encoding="utf-8"?>
-<p:sld xmlns:p="http://schemas.openxmlformats.org/presentationml/2006/main" xmlns:a="http://schemas.openxmlformats.org/drawingml/2006/main" xmlns:r="http://schemas.openxmlformats.org/officeDocument/2006/relationships">
+<p:sld xmlns:a="http://schemas.openxmlformats.org/drawingml/2006/main" xmlns:r="http://schemas.openxmlformats.org/officeDocument/2006/relationships" xmlns:p="http://schemas.openxmlformats.org/presentationml/2006/main">
   <p:cSld>
     <p:bg>
       <p:bgPr>
         <a:solidFill>
           <a:srgbClr val="EF8508"/>
         </a:solidFill>
+        <a:effectLst/>
       </p:bgPr>
     </p:bg>
     <p:spTree>
@@ -3162,12 +3101,12 @@
       </p:grpSpPr>
       <p:grpSp>
         <p:nvGrpSpPr>
-          <p:cNvPr name="Group 2" id="2"/>
+          <p:cNvPr id="2" name="Group 2"/>
           <p:cNvGrpSpPr/>
           <p:nvPr/>
         </p:nvGrpSpPr>
         <p:grpSpPr>
-          <a:xfrm rot="0">
+          <a:xfrm>
             <a:off x="5953531" y="8487539"/>
             <a:ext cx="770761" cy="770761"/>
             <a:chOff x="0" y="0"/>
@@ -3176,12 +3115,12 @@
         </p:grpSpPr>
         <p:sp>
           <p:nvSpPr>
-            <p:cNvPr name="Freeform 3" id="3"/>
+            <p:cNvPr id="3" name="Freeform 3"/>
             <p:cNvSpPr/>
             <p:nvPr/>
           </p:nvSpPr>
           <p:spPr>
-            <a:xfrm flipH="false" flipV="false" rot="0">
+            <a:xfrm>
               <a:off x="0" y="0"/>
               <a:ext cx="812800" cy="812800"/>
             </a:xfrm>
@@ -3190,9 +3129,9 @@
               <a:gdLst/>
               <a:ahLst/>
               <a:cxnLst/>
-              <a:rect r="r" b="b" t="t" l="l"/>
+              <a:rect l="l" t="t" r="r" b="b"/>
               <a:pathLst>
-                <a:path h="812800" w="812800">
+                <a:path w="812800" h="812800">
                   <a:moveTo>
                     <a:pt x="406400" y="0"/>
                   </a:moveTo>
@@ -3224,11 +3163,18 @@
               <a:srgbClr val="FFFFFF"/>
             </a:solidFill>
           </p:spPr>
+          <p:txBody>
+            <a:bodyPr/>
+            <a:lstStyle/>
+            <a:p>
+              <a:endParaRPr lang="en-LK"/>
+            </a:p>
+          </p:txBody>
         </p:sp>
         <p:sp>
           <p:nvSpPr>
-            <p:cNvPr name="TextBox 4" id="4"/>
-            <p:cNvSpPr txBox="true"/>
+            <p:cNvPr id="4" name="TextBox 4"/>
+            <p:cNvSpPr txBox="1"/>
             <p:nvPr/>
           </p:nvSpPr>
           <p:spPr>
@@ -3241,7 +3187,7 @@
             </a:prstGeom>
           </p:spPr>
           <p:txBody>
-            <a:bodyPr anchor="ctr" rtlCol="false" tIns="50800" lIns="50800" bIns="50800" rIns="50800"/>
+            <a:bodyPr lIns="50800" tIns="50800" rIns="50800" bIns="50800" rtlCol="0" anchor="ctr"/>
             <a:lstStyle/>
             <a:p>
               <a:pPr algn="ctr">
@@ -3249,13 +3195,14 @@
                   <a:spcPts val="2355"/>
                 </a:lnSpc>
               </a:pPr>
+              <a:endParaRPr/>
             </a:p>
           </p:txBody>
         </p:sp>
       </p:grpSp>
       <p:sp>
         <p:nvSpPr>
-          <p:cNvPr name="AutoShape 5" id="5"/>
+          <p:cNvPr id="5" name="AutoShape 5"/>
           <p:cNvSpPr/>
           <p:nvPr/>
         </p:nvSpPr>
@@ -3267,33 +3214,40 @@
           <a:prstGeom prst="line">
             <a:avLst/>
           </a:prstGeom>
-          <a:ln cap="flat" w="38100">
+          <a:ln w="38100" cap="flat">
             <a:solidFill>
               <a:srgbClr val="FFFFFF"/>
             </a:solidFill>
             <a:prstDash val="solid"/>
-            <a:headEnd type="none" len="sm" w="sm"/>
-            <a:tailEnd type="none" len="sm" w="sm"/>
+            <a:headEnd type="none" w="sm" len="sm"/>
+            <a:tailEnd type="none" w="sm" len="sm"/>
           </a:ln>
         </p:spPr>
-      </p:sp>
-      <p:sp>
-        <p:nvSpPr>
-          <p:cNvPr name="TextBox 6" id="6"/>
-          <p:cNvSpPr txBox="true"/>
+        <p:txBody>
+          <a:bodyPr/>
+          <a:lstStyle/>
+          <a:p>
+            <a:endParaRPr lang="en-LK"/>
+          </a:p>
+        </p:txBody>
+      </p:sp>
+      <p:sp>
+        <p:nvSpPr>
+          <p:cNvPr id="6" name="TextBox 6"/>
+          <p:cNvSpPr txBox="1"/>
           <p:nvPr/>
         </p:nvSpPr>
         <p:spPr>
-          <a:xfrm rot="0">
+          <a:xfrm>
             <a:off x="2595984" y="2553549"/>
-            <a:ext cx="13096032" cy="4732020"/>
+            <a:ext cx="13096032" cy="3153427"/>
           </a:xfrm>
           <a:prstGeom prst="rect">
             <a:avLst/>
           </a:prstGeom>
         </p:spPr>
         <p:txBody>
-          <a:bodyPr anchor="t" rtlCol="false" tIns="0" lIns="0" bIns="0" rIns="0">
+          <a:bodyPr lIns="0" tIns="0" rIns="0" bIns="0" rtlCol="0" anchor="t">
             <a:spAutoFit/>
           </a:bodyPr>
           <a:lstStyle/>
@@ -3304,41 +3258,25 @@
               </a:lnSpc>
             </a:pPr>
             <a:r>
-              <a:rPr lang="en-US" sz="12000">
+              <a:rPr lang="en-US" sz="12000" dirty="0">
                 <a:solidFill>
                   <a:srgbClr val="FFFFFF"/>
                 </a:solidFill>
                 <a:latin typeface="Bricolage Grotesque Bold"/>
               </a:rPr>
-              <a:t>Apache Hadoop vs</a:t>
-            </a:r>
-          </a:p>
-          <a:p>
-            <a:pPr algn="ctr">
-              <a:lnSpc>
-                <a:spcPts val="12240"/>
-              </a:lnSpc>
-            </a:pPr>
-            <a:r>
-              <a:rPr lang="en-US" sz="12000">
-                <a:solidFill>
-                  <a:srgbClr val="FFFFFF"/>
-                </a:solidFill>
-                <a:latin typeface="Bricolage Grotesque Bold"/>
-              </a:rPr>
-              <a:t>Spark</a:t>
-            </a:r>
-          </a:p>
-        </p:txBody>
-      </p:sp>
-      <p:sp>
-        <p:nvSpPr>
-          <p:cNvPr name="Freeform 7" id="7"/>
+              <a:t>Hadoop vs Apache Spark</a:t>
+            </a:r>
+          </a:p>
+        </p:txBody>
+      </p:sp>
+      <p:sp>
+        <p:nvSpPr>
+          <p:cNvPr id="7" name="Freeform 7"/>
           <p:cNvSpPr/>
           <p:nvPr/>
         </p:nvSpPr>
         <p:spPr>
-          <a:xfrm flipH="false" flipV="false" rot="4326401">
+          <a:xfrm rot="4326401">
             <a:off x="8674497" y="-4119282"/>
             <a:ext cx="14975430" cy="12945611"/>
           </a:xfrm>
@@ -3347,9 +3285,9 @@
             <a:gdLst/>
             <a:ahLst/>
             <a:cxnLst/>
-            <a:rect r="r" b="b" t="t" l="l"/>
+            <a:rect l="l" t="t" r="r" b="b"/>
             <a:pathLst>
-              <a:path h="12945611" w="14975430">
+              <a:path w="14975430" h="12945611">
                 <a:moveTo>
                   <a:pt x="0" y="0"/>
                 </a:moveTo>
@@ -3379,19 +3317,26 @@
               </a:extLst>
             </a:blip>
             <a:stretch>
-              <a:fillRect l="0" t="0" r="0" b="0"/>
+              <a:fillRect/>
             </a:stretch>
           </a:blipFill>
         </p:spPr>
-      </p:sp>
-      <p:sp>
-        <p:nvSpPr>
-          <p:cNvPr name="TextBox 8" id="8"/>
-          <p:cNvSpPr txBox="true"/>
+        <p:txBody>
+          <a:bodyPr/>
+          <a:lstStyle/>
+          <a:p>
+            <a:endParaRPr lang="en-LK"/>
+          </a:p>
+        </p:txBody>
+      </p:sp>
+      <p:sp>
+        <p:nvSpPr>
+          <p:cNvPr id="8" name="TextBox 8"/>
+          <p:cNvSpPr txBox="1"/>
           <p:nvPr/>
         </p:nvSpPr>
         <p:spPr>
-          <a:xfrm rot="0">
+          <a:xfrm>
             <a:off x="9885476" y="8776970"/>
             <a:ext cx="7373824" cy="481330"/>
           </a:xfrm>
@@ -3400,7 +3345,7 @@
           </a:prstGeom>
         </p:spPr>
         <p:txBody>
-          <a:bodyPr anchor="t" rtlCol="false" tIns="0" lIns="0" bIns="0" rIns="0">
+          <a:bodyPr lIns="0" tIns="0" rIns="0" bIns="0" rtlCol="0" anchor="t">
             <a:spAutoFit/>
           </a:bodyPr>
           <a:lstStyle/>
@@ -3424,12 +3369,12 @@
       </p:sp>
       <p:sp>
         <p:nvSpPr>
-          <p:cNvPr name="TextBox 9" id="9"/>
-          <p:cNvSpPr txBox="true"/>
+          <p:cNvPr id="9" name="TextBox 9"/>
+          <p:cNvSpPr txBox="1"/>
           <p:nvPr/>
         </p:nvSpPr>
         <p:spPr>
-          <a:xfrm rot="0">
+          <a:xfrm>
             <a:off x="11775019" y="7400990"/>
             <a:ext cx="5484281" cy="1471930"/>
           </a:xfrm>
@@ -3438,7 +3383,7 @@
           </a:prstGeom>
         </p:spPr>
         <p:txBody>
-          <a:bodyPr anchor="t" rtlCol="false" tIns="0" lIns="0" bIns="0" rIns="0">
+          <a:bodyPr lIns="0" tIns="0" rIns="0" bIns="0" rtlCol="0" anchor="t">
             <a:spAutoFit/>
           </a:bodyPr>
           <a:lstStyle/>
@@ -3448,6 +3393,7 @@
                 <a:spcPts val="3919"/>
               </a:lnSpc>
             </a:pPr>
+            <a:endParaRPr/>
           </a:p>
           <a:p>
             <a:pPr algn="r">
@@ -3495,13 +3441,14 @@
 </file>
 
 <file path=ppt/slides/slide2.xml><?xml version="1.0" encoding="utf-8"?>
-<p:sld xmlns:p="http://schemas.openxmlformats.org/presentationml/2006/main" xmlns:a="http://schemas.openxmlformats.org/drawingml/2006/main" xmlns:r="http://schemas.openxmlformats.org/officeDocument/2006/relationships">
+<p:sld xmlns:a="http://schemas.openxmlformats.org/drawingml/2006/main" xmlns:r="http://schemas.openxmlformats.org/officeDocument/2006/relationships" xmlns:p="http://schemas.openxmlformats.org/presentationml/2006/main">
   <p:cSld>
     <p:bg>
       <p:bgPr>
         <a:solidFill>
           <a:srgbClr val="252F3E"/>
         </a:solidFill>
+        <a:effectLst/>
       </p:bgPr>
     </p:bg>
     <p:spTree>
@@ -3520,12 +3467,12 @@
       </p:grpSpPr>
       <p:sp>
         <p:nvSpPr>
-          <p:cNvPr name="Freeform 2" id="2"/>
+          <p:cNvPr id="2" name="Freeform 2"/>
           <p:cNvSpPr/>
           <p:nvPr/>
         </p:nvSpPr>
         <p:spPr>
-          <a:xfrm flipH="false" flipV="false" rot="3803498">
+          <a:xfrm rot="3803498">
             <a:off x="-432718" y="4738576"/>
             <a:ext cx="10456797" cy="9039448"/>
           </a:xfrm>
@@ -3534,9 +3481,9 @@
             <a:gdLst/>
             <a:ahLst/>
             <a:cxnLst/>
-            <a:rect r="r" b="b" t="t" l="l"/>
+            <a:rect l="l" t="t" r="r" b="b"/>
             <a:pathLst>
-              <a:path h="9039448" w="10456797">
+              <a:path w="10456797" h="9039448">
                 <a:moveTo>
                   <a:pt x="0" y="0"/>
                 </a:moveTo>
@@ -3566,19 +3513,26 @@
               </a:extLst>
             </a:blip>
             <a:stretch>
-              <a:fillRect l="0" t="0" r="0" b="0"/>
+              <a:fillRect/>
             </a:stretch>
           </a:blipFill>
         </p:spPr>
+        <p:txBody>
+          <a:bodyPr/>
+          <a:lstStyle/>
+          <a:p>
+            <a:endParaRPr lang="en-LK"/>
+          </a:p>
+        </p:txBody>
       </p:sp>
       <p:grpSp>
         <p:nvGrpSpPr>
-          <p:cNvPr name="Group 3" id="3"/>
+          <p:cNvPr id="3" name="Group 3"/>
           <p:cNvGrpSpPr/>
           <p:nvPr/>
         </p:nvGrpSpPr>
         <p:grpSpPr>
-          <a:xfrm rot="0">
+          <a:xfrm>
             <a:off x="1482267" y="2555375"/>
             <a:ext cx="5813329" cy="5813329"/>
             <a:chOff x="0" y="0"/>
@@ -3587,12 +3541,12 @@
         </p:grpSpPr>
         <p:sp>
           <p:nvSpPr>
-            <p:cNvPr name="Freeform 4" id="4"/>
+            <p:cNvPr id="4" name="Freeform 4"/>
             <p:cNvSpPr/>
             <p:nvPr/>
           </p:nvSpPr>
           <p:spPr>
-            <a:xfrm flipH="false" flipV="false" rot="0">
+            <a:xfrm>
               <a:off x="0" y="0"/>
               <a:ext cx="812800" cy="812800"/>
             </a:xfrm>
@@ -3601,9 +3555,9 @@
               <a:gdLst/>
               <a:ahLst/>
               <a:cxnLst/>
-              <a:rect r="r" b="b" t="t" l="l"/>
+              <a:rect l="l" t="t" r="r" b="b"/>
               <a:pathLst>
-                <a:path h="812800" w="812800">
+                <a:path w="812800" h="812800">
                   <a:moveTo>
                     <a:pt x="406400" y="0"/>
                   </a:moveTo>
@@ -3634,20 +3588,27 @@
             <a:blipFill>
               <a:blip r:embed="rId4"/>
               <a:stretch>
-                <a:fillRect l="0" t="0" r="0" b="0"/>
+                <a:fillRect/>
               </a:stretch>
             </a:blipFill>
           </p:spPr>
+          <p:txBody>
+            <a:bodyPr/>
+            <a:lstStyle/>
+            <a:p>
+              <a:endParaRPr lang="en-LK"/>
+            </a:p>
+          </p:txBody>
         </p:sp>
       </p:grpSp>
       <p:sp>
         <p:nvSpPr>
-          <p:cNvPr name="TextBox 5" id="5"/>
-          <p:cNvSpPr txBox="true"/>
+          <p:cNvPr id="5" name="TextBox 5"/>
+          <p:cNvSpPr txBox="1"/>
           <p:nvPr/>
         </p:nvSpPr>
         <p:spPr>
-          <a:xfrm rot="0">
+          <a:xfrm>
             <a:off x="5126607" y="1230551"/>
             <a:ext cx="8034785" cy="1228725"/>
           </a:xfrm>
@@ -3656,7 +3617,7 @@
           </a:prstGeom>
         </p:spPr>
         <p:txBody>
-          <a:bodyPr anchor="t" rtlCol="false" tIns="0" lIns="0" bIns="0" rIns="0">
+          <a:bodyPr lIns="0" tIns="0" rIns="0" bIns="0" rtlCol="0" anchor="t">
             <a:spAutoFit/>
           </a:bodyPr>
           <a:lstStyle/>
@@ -3680,12 +3641,12 @@
       </p:sp>
       <p:sp>
         <p:nvSpPr>
-          <p:cNvPr name="TextBox 6" id="6"/>
-          <p:cNvSpPr txBox="true"/>
+          <p:cNvPr id="6" name="TextBox 6"/>
+          <p:cNvSpPr txBox="1"/>
           <p:nvPr/>
         </p:nvSpPr>
         <p:spPr>
-          <a:xfrm rot="0">
+          <a:xfrm>
             <a:off x="8373239" y="2782213"/>
             <a:ext cx="7922626" cy="4759579"/>
           </a:xfrm>
@@ -3694,7 +3655,7 @@
           </a:prstGeom>
         </p:spPr>
         <p:txBody>
-          <a:bodyPr anchor="t" rtlCol="false" tIns="0" lIns="0" bIns="0" rIns="0">
+          <a:bodyPr lIns="0" tIns="0" rIns="0" bIns="0" rtlCol="0" anchor="t">
             <a:spAutoFit/>
           </a:bodyPr>
           <a:lstStyle/>
@@ -3775,12 +3736,12 @@
       </p:sp>
       <p:sp>
         <p:nvSpPr>
-          <p:cNvPr name="TextBox 7" id="7"/>
-          <p:cNvSpPr txBox="true"/>
+          <p:cNvPr id="7" name="TextBox 7"/>
+          <p:cNvSpPr txBox="1"/>
           <p:nvPr/>
         </p:nvSpPr>
         <p:spPr>
-          <a:xfrm rot="0">
+          <a:xfrm>
             <a:off x="12474741" y="755015"/>
             <a:ext cx="4784559" cy="273685"/>
           </a:xfrm>
@@ -3789,7 +3750,7 @@
           </a:prstGeom>
         </p:spPr>
         <p:txBody>
-          <a:bodyPr anchor="t" rtlCol="false" tIns="0" lIns="0" bIns="0" rIns="0">
+          <a:bodyPr lIns="0" tIns="0" rIns="0" bIns="0" rtlCol="0" anchor="t">
             <a:spAutoFit/>
           </a:bodyPr>
           <a:lstStyle/>
@@ -3806,28 +3767,19 @@
                 </a:solidFill>
                 <a:latin typeface="Bricolage Grotesque Light"/>
               </a:rPr>
-              <a:t> </a:t>
-            </a:r>
-            <a:r>
-              <a:rPr lang="en-US" sz="1599">
-                <a:solidFill>
-                  <a:srgbClr val="FFFFFF"/>
-                </a:solidFill>
-                <a:latin typeface="Bricolage Grotesque Light"/>
-              </a:rPr>
-              <a:t>CS5229 - Big Data Analytics Technologies</a:t>
-            </a:r>
-          </a:p>
-        </p:txBody>
-      </p:sp>
-      <p:sp>
-        <p:nvSpPr>
-          <p:cNvPr name="TextBox 8" id="8"/>
-          <p:cNvSpPr txBox="true"/>
+              <a:t> CS5229 - Big Data Analytics Technologies</a:t>
+            </a:r>
+          </a:p>
+        </p:txBody>
+      </p:sp>
+      <p:sp>
+        <p:nvSpPr>
+          <p:cNvPr id="8" name="TextBox 8"/>
+          <p:cNvSpPr txBox="1"/>
           <p:nvPr/>
         </p:nvSpPr>
         <p:spPr>
-          <a:xfrm rot="0">
+          <a:xfrm>
             <a:off x="1028700" y="500682"/>
             <a:ext cx="4784559" cy="273685"/>
           </a:xfrm>
@@ -3836,7 +3788,7 @@
           </a:prstGeom>
         </p:spPr>
         <p:txBody>
-          <a:bodyPr anchor="t" rtlCol="false" tIns="0" lIns="0" bIns="0" rIns="0">
+          <a:bodyPr lIns="0" tIns="0" rIns="0" bIns="0" rtlCol="0" anchor="t">
             <a:spAutoFit/>
           </a:bodyPr>
           <a:lstStyle/>
@@ -3853,16 +3805,7 @@
                 </a:solidFill>
                 <a:latin typeface="Bricolage Grotesque Light"/>
               </a:rPr>
-              <a:t> 248233U - </a:t>
-            </a:r>
-            <a:r>
-              <a:rPr lang="en-US" sz="1599" spc="-31">
-                <a:solidFill>
-                  <a:srgbClr val="FFFFFF"/>
-                </a:solidFill>
-                <a:latin typeface="Bricolage Grotesque Light"/>
-              </a:rPr>
-              <a:t>J. A. A. M. Jayaweera</a:t>
+              <a:t> 248233U - J. A. A. M. Jayaweera</a:t>
             </a:r>
           </a:p>
         </p:txBody>
@@ -3876,7 +3819,7 @@
 </file>
 
 <file path=ppt/slides/slide3.xml><?xml version="1.0" encoding="utf-8"?>
-<p:sld xmlns:p="http://schemas.openxmlformats.org/presentationml/2006/main" xmlns:a="http://schemas.openxmlformats.org/drawingml/2006/main" xmlns:r="http://schemas.openxmlformats.org/officeDocument/2006/relationships">
+<p:sld xmlns:a="http://schemas.openxmlformats.org/drawingml/2006/main" xmlns:r="http://schemas.openxmlformats.org/officeDocument/2006/relationships" xmlns:p="http://schemas.openxmlformats.org/presentationml/2006/main">
   <p:cSld>
     <p:spTree>
       <p:nvGrpSpPr>
@@ -3894,12 +3837,12 @@
       </p:grpSpPr>
       <p:sp>
         <p:nvSpPr>
-          <p:cNvPr name="TextBox 2" id="2"/>
-          <p:cNvSpPr txBox="true"/>
+          <p:cNvPr id="2" name="TextBox 2"/>
+          <p:cNvSpPr txBox="1"/>
           <p:nvPr/>
         </p:nvSpPr>
         <p:spPr>
-          <a:xfrm rot="0">
+          <a:xfrm>
             <a:off x="1028700" y="2235096"/>
             <a:ext cx="16230600" cy="2658110"/>
           </a:xfrm>
@@ -3908,7 +3851,7 @@
           </a:prstGeom>
         </p:spPr>
         <p:txBody>
-          <a:bodyPr anchor="t" rtlCol="false" tIns="0" lIns="0" bIns="0" rIns="0">
+          <a:bodyPr lIns="0" tIns="0" rIns="0" bIns="0" rtlCol="0" anchor="t">
             <a:spAutoFit/>
           </a:bodyPr>
           <a:lstStyle/>
@@ -3950,6 +3893,12 @@
                 <a:spcPts val="2240"/>
               </a:lnSpc>
             </a:pPr>
+            <a:endParaRPr lang="en-US" sz="2600">
+              <a:solidFill>
+                <a:srgbClr val="252F3E"/>
+              </a:solidFill>
+              <a:latin typeface="HK Grotesk"/>
+            </a:endParaRPr>
           </a:p>
           <a:p>
             <a:pPr algn="just">
@@ -3987,12 +3936,12 @@
       </p:sp>
       <p:grpSp>
         <p:nvGrpSpPr>
-          <p:cNvPr name="Group 3" id="3"/>
+          <p:cNvPr id="3" name="Group 3"/>
           <p:cNvGrpSpPr/>
           <p:nvPr/>
         </p:nvGrpSpPr>
         <p:grpSpPr>
-          <a:xfrm rot="0">
+          <a:xfrm>
             <a:off x="1028700" y="5947936"/>
             <a:ext cx="5554961" cy="784479"/>
             <a:chOff x="0" y="0"/>
@@ -4001,12 +3950,12 @@
         </p:grpSpPr>
         <p:sp>
           <p:nvSpPr>
-            <p:cNvPr name="Freeform 4" id="4"/>
+            <p:cNvPr id="4" name="Freeform 4"/>
             <p:cNvSpPr/>
             <p:nvPr/>
           </p:nvSpPr>
           <p:spPr>
-            <a:xfrm flipH="false" flipV="false" rot="0">
+            <a:xfrm>
               <a:off x="0" y="0"/>
               <a:ext cx="1463035" cy="206612"/>
             </a:xfrm>
@@ -4015,9 +3964,9 @@
               <a:gdLst/>
               <a:ahLst/>
               <a:cxnLst/>
-              <a:rect r="r" b="b" t="t" l="l"/>
+              <a:rect l="l" t="t" r="r" b="b"/>
               <a:pathLst>
-                <a:path h="206612" w="1463035">
+                <a:path w="1463035" h="206612">
                   <a:moveTo>
                     <a:pt x="71078" y="0"/>
                   </a:moveTo>
@@ -4076,11 +4025,18 @@
               <a:srgbClr val="252F3E"/>
             </a:solidFill>
           </p:spPr>
+          <p:txBody>
+            <a:bodyPr/>
+            <a:lstStyle/>
+            <a:p>
+              <a:endParaRPr lang="en-LK"/>
+            </a:p>
+          </p:txBody>
         </p:sp>
         <p:sp>
           <p:nvSpPr>
-            <p:cNvPr name="TextBox 5" id="5"/>
-            <p:cNvSpPr txBox="true"/>
+            <p:cNvPr id="5" name="TextBox 5"/>
+            <p:cNvSpPr txBox="1"/>
             <p:nvPr/>
           </p:nvSpPr>
           <p:spPr>
@@ -4093,7 +4049,7 @@
             </a:prstGeom>
           </p:spPr>
           <p:txBody>
-            <a:bodyPr anchor="ctr" rtlCol="false" tIns="50800" lIns="50800" bIns="50800" rIns="50800"/>
+            <a:bodyPr lIns="50800" tIns="50800" rIns="50800" bIns="50800" rtlCol="0" anchor="ctr"/>
             <a:lstStyle/>
             <a:p>
               <a:pPr algn="ctr">
@@ -4108,16 +4064,7 @@
                   </a:solidFill>
                   <a:latin typeface="Bricolage Grotesque Medium"/>
                 </a:rPr>
-                <a:t>1. Map phase</a:t>
-              </a:r>
-              <a:r>
-                <a:rPr lang="en-US" sz="3000">
-                  <a:solidFill>
-                    <a:srgbClr val="FFFFFF"/>
-                  </a:solidFill>
-                  <a:latin typeface="Bricolage Grotesque Medium"/>
-                </a:rPr>
-                <a:t> :</a:t>
+                <a:t>1. Map phase :</a:t>
               </a:r>
             </a:p>
           </p:txBody>
@@ -4125,12 +4072,12 @@
       </p:grpSp>
       <p:sp>
         <p:nvSpPr>
-          <p:cNvPr name="TextBox 6" id="6"/>
-          <p:cNvSpPr txBox="true"/>
+          <p:cNvPr id="6" name="TextBox 6"/>
+          <p:cNvSpPr txBox="1"/>
           <p:nvPr/>
         </p:nvSpPr>
         <p:spPr>
-          <a:xfrm rot="0">
+          <a:xfrm>
             <a:off x="12474741" y="500682"/>
             <a:ext cx="4784559" cy="273685"/>
           </a:xfrm>
@@ -4139,7 +4086,7 @@
           </a:prstGeom>
         </p:spPr>
         <p:txBody>
-          <a:bodyPr anchor="t" rtlCol="false" tIns="0" lIns="0" bIns="0" rIns="0">
+          <a:bodyPr lIns="0" tIns="0" rIns="0" bIns="0" rtlCol="0" anchor="t">
             <a:spAutoFit/>
           </a:bodyPr>
           <a:lstStyle/>
@@ -4156,28 +4103,19 @@
                 </a:solidFill>
                 <a:latin typeface="Bricolage Grotesque Light"/>
               </a:rPr>
-              <a:t> </a:t>
-            </a:r>
-            <a:r>
-              <a:rPr lang="en-US" sz="1599">
-                <a:solidFill>
-                  <a:srgbClr val="252F3E"/>
-                </a:solidFill>
-                <a:latin typeface="Bricolage Grotesque Light"/>
-              </a:rPr>
-              <a:t>CS5229 - Big Data Analytics Technologies</a:t>
-            </a:r>
-          </a:p>
-        </p:txBody>
-      </p:sp>
-      <p:sp>
-        <p:nvSpPr>
-          <p:cNvPr name="TextBox 7" id="7"/>
-          <p:cNvSpPr txBox="true"/>
+              <a:t> CS5229 - Big Data Analytics Technologies</a:t>
+            </a:r>
+          </a:p>
+        </p:txBody>
+      </p:sp>
+      <p:sp>
+        <p:nvSpPr>
+          <p:cNvPr id="7" name="TextBox 7"/>
+          <p:cNvSpPr txBox="1"/>
           <p:nvPr/>
         </p:nvSpPr>
         <p:spPr>
-          <a:xfrm rot="0">
+          <a:xfrm>
             <a:off x="1028700" y="1122594"/>
             <a:ext cx="14850765" cy="1000125"/>
           </a:xfrm>
@@ -4186,7 +4124,7 @@
           </a:prstGeom>
         </p:spPr>
         <p:txBody>
-          <a:bodyPr anchor="t" rtlCol="false" tIns="0" lIns="0" bIns="0" rIns="0">
+          <a:bodyPr lIns="0" tIns="0" rIns="0" bIns="0" rtlCol="0" anchor="t">
             <a:spAutoFit/>
           </a:bodyPr>
           <a:lstStyle/>
@@ -4219,12 +4157,12 @@
       </p:sp>
       <p:grpSp>
         <p:nvGrpSpPr>
-          <p:cNvPr name="Group 8" id="8"/>
+          <p:cNvPr id="8" name="Group 8"/>
           <p:cNvGrpSpPr/>
           <p:nvPr/>
         </p:nvGrpSpPr>
         <p:grpSpPr>
-          <a:xfrm rot="0">
+          <a:xfrm>
             <a:off x="1028700" y="7851969"/>
             <a:ext cx="5554961" cy="784479"/>
             <a:chOff x="0" y="0"/>
@@ -4233,12 +4171,12 @@
         </p:grpSpPr>
         <p:sp>
           <p:nvSpPr>
-            <p:cNvPr name="Freeform 9" id="9"/>
+            <p:cNvPr id="9" name="Freeform 9"/>
             <p:cNvSpPr/>
             <p:nvPr/>
           </p:nvSpPr>
           <p:spPr>
-            <a:xfrm flipH="false" flipV="false" rot="0">
+            <a:xfrm>
               <a:off x="0" y="0"/>
               <a:ext cx="1463035" cy="206612"/>
             </a:xfrm>
@@ -4247,9 +4185,9 @@
               <a:gdLst/>
               <a:ahLst/>
               <a:cxnLst/>
-              <a:rect r="r" b="b" t="t" l="l"/>
+              <a:rect l="l" t="t" r="r" b="b"/>
               <a:pathLst>
-                <a:path h="206612" w="1463035">
+                <a:path w="1463035" h="206612">
                   <a:moveTo>
                     <a:pt x="71078" y="0"/>
                   </a:moveTo>
@@ -4308,11 +4246,18 @@
               <a:srgbClr val="252F3E"/>
             </a:solidFill>
           </p:spPr>
+          <p:txBody>
+            <a:bodyPr/>
+            <a:lstStyle/>
+            <a:p>
+              <a:endParaRPr lang="en-LK"/>
+            </a:p>
+          </p:txBody>
         </p:sp>
         <p:sp>
           <p:nvSpPr>
-            <p:cNvPr name="TextBox 10" id="10"/>
-            <p:cNvSpPr txBox="true"/>
+            <p:cNvPr id="10" name="TextBox 10"/>
+            <p:cNvSpPr txBox="1"/>
             <p:nvPr/>
           </p:nvSpPr>
           <p:spPr>
@@ -4325,7 +4270,7 @@
             </a:prstGeom>
           </p:spPr>
           <p:txBody>
-            <a:bodyPr anchor="ctr" rtlCol="false" tIns="50800" lIns="50800" bIns="50800" rIns="50800"/>
+            <a:bodyPr lIns="50800" tIns="50800" rIns="50800" bIns="50800" rtlCol="0" anchor="ctr"/>
             <a:lstStyle/>
             <a:p>
               <a:pPr algn="ctr">
@@ -4348,12 +4293,12 @@
       </p:grpSp>
       <p:sp>
         <p:nvSpPr>
-          <p:cNvPr name="TextBox 11" id="11"/>
-          <p:cNvSpPr txBox="true"/>
+          <p:cNvPr id="11" name="TextBox 11"/>
+          <p:cNvSpPr txBox="1"/>
           <p:nvPr/>
         </p:nvSpPr>
         <p:spPr>
-          <a:xfrm rot="0">
+          <a:xfrm>
             <a:off x="1028700" y="6846715"/>
             <a:ext cx="16230600" cy="474980"/>
           </a:xfrm>
@@ -4362,12 +4307,12 @@
           </a:prstGeom>
         </p:spPr>
         <p:txBody>
-          <a:bodyPr anchor="t" rtlCol="false" tIns="0" lIns="0" bIns="0" rIns="0">
+          <a:bodyPr lIns="0" tIns="0" rIns="0" bIns="0" rtlCol="0" anchor="t">
             <a:spAutoFit/>
           </a:bodyPr>
           <a:lstStyle/>
           <a:p>
-            <a:pPr algn="just" marL="561339" indent="-280669" lvl="1">
+            <a:pPr marL="561339" lvl="1" indent="-280669" algn="just">
               <a:lnSpc>
                 <a:spcPts val="3639"/>
               </a:lnSpc>
@@ -4388,12 +4333,12 @@
       </p:sp>
       <p:sp>
         <p:nvSpPr>
-          <p:cNvPr name="TextBox 12" id="12"/>
-          <p:cNvSpPr txBox="true"/>
+          <p:cNvPr id="12" name="TextBox 12"/>
+          <p:cNvSpPr txBox="1"/>
           <p:nvPr/>
         </p:nvSpPr>
         <p:spPr>
-          <a:xfrm rot="0">
+          <a:xfrm>
             <a:off x="1028700" y="8776970"/>
             <a:ext cx="16230600" cy="474980"/>
           </a:xfrm>
@@ -4402,12 +4347,12 @@
           </a:prstGeom>
         </p:spPr>
         <p:txBody>
-          <a:bodyPr anchor="t" rtlCol="false" tIns="0" lIns="0" bIns="0" rIns="0">
+          <a:bodyPr lIns="0" tIns="0" rIns="0" bIns="0" rtlCol="0" anchor="t">
             <a:spAutoFit/>
           </a:bodyPr>
           <a:lstStyle/>
           <a:p>
-            <a:pPr algn="just" marL="561339" indent="-280669" lvl="1">
+            <a:pPr marL="561339" lvl="1" indent="-280669" algn="just">
               <a:lnSpc>
                 <a:spcPts val="3639"/>
               </a:lnSpc>
@@ -4428,12 +4373,12 @@
       </p:sp>
       <p:sp>
         <p:nvSpPr>
-          <p:cNvPr name="TextBox 13" id="13"/>
-          <p:cNvSpPr txBox="true"/>
+          <p:cNvPr id="13" name="TextBox 13"/>
+          <p:cNvSpPr txBox="1"/>
           <p:nvPr/>
         </p:nvSpPr>
         <p:spPr>
-          <a:xfrm rot="0">
+          <a:xfrm>
             <a:off x="1053862" y="5229116"/>
             <a:ext cx="3511232" cy="547370"/>
           </a:xfrm>
@@ -4442,7 +4387,7 @@
           </a:prstGeom>
         </p:spPr>
         <p:txBody>
-          <a:bodyPr anchor="t" rtlCol="false" tIns="0" lIns="0" bIns="0" rIns="0">
+          <a:bodyPr lIns="0" tIns="0" rIns="0" bIns="0" rtlCol="0" anchor="t">
             <a:spAutoFit/>
           </a:bodyPr>
           <a:lstStyle/>
@@ -4469,12 +4414,12 @@
       </p:sp>
       <p:sp>
         <p:nvSpPr>
-          <p:cNvPr name="Freeform 14" id="14"/>
+          <p:cNvPr id="14" name="Freeform 14"/>
           <p:cNvSpPr/>
           <p:nvPr/>
         </p:nvSpPr>
         <p:spPr>
-          <a:xfrm flipH="false" flipV="false" rot="-427696">
+          <a:xfrm rot="-427696">
             <a:off x="13830790" y="2035104"/>
             <a:ext cx="10456797" cy="9039448"/>
           </a:xfrm>
@@ -4483,9 +4428,9 @@
             <a:gdLst/>
             <a:ahLst/>
             <a:cxnLst/>
-            <a:rect r="r" b="b" t="t" l="l"/>
+            <a:rect l="l" t="t" r="r" b="b"/>
             <a:pathLst>
-              <a:path h="9039448" w="10456797">
+              <a:path w="10456797" h="9039448">
                 <a:moveTo>
                   <a:pt x="0" y="0"/>
                 </a:moveTo>
@@ -4515,19 +4460,26 @@
               </a:extLst>
             </a:blip>
             <a:stretch>
-              <a:fillRect l="0" t="0" r="0" b="0"/>
+              <a:fillRect/>
             </a:stretch>
           </a:blipFill>
         </p:spPr>
-      </p:sp>
-      <p:sp>
-        <p:nvSpPr>
-          <p:cNvPr name="TextBox 15" id="15"/>
-          <p:cNvSpPr txBox="true"/>
+        <p:txBody>
+          <a:bodyPr/>
+          <a:lstStyle/>
+          <a:p>
+            <a:endParaRPr lang="en-LK"/>
+          </a:p>
+        </p:txBody>
+      </p:sp>
+      <p:sp>
+        <p:nvSpPr>
+          <p:cNvPr id="15" name="TextBox 15"/>
+          <p:cNvSpPr txBox="1"/>
           <p:nvPr/>
         </p:nvSpPr>
         <p:spPr>
-          <a:xfrm rot="0">
+          <a:xfrm>
             <a:off x="1028700" y="500682"/>
             <a:ext cx="4784559" cy="273685"/>
           </a:xfrm>
@@ -4536,7 +4488,7 @@
           </a:prstGeom>
         </p:spPr>
         <p:txBody>
-          <a:bodyPr anchor="t" rtlCol="false" tIns="0" lIns="0" bIns="0" rIns="0">
+          <a:bodyPr lIns="0" tIns="0" rIns="0" bIns="0" rtlCol="0" anchor="t">
             <a:spAutoFit/>
           </a:bodyPr>
           <a:lstStyle/>
@@ -4553,28 +4505,19 @@
                 </a:solidFill>
                 <a:latin typeface="Bricolage Grotesque Light"/>
               </a:rPr>
-              <a:t> 248233U - </a:t>
-            </a:r>
-            <a:r>
-              <a:rPr lang="en-US" sz="1599" spc="-31">
-                <a:solidFill>
-                  <a:srgbClr val="252F3E"/>
-                </a:solidFill>
-                <a:latin typeface="Bricolage Grotesque Light"/>
-              </a:rPr>
-              <a:t>J. A. A. M. Jayaweera</a:t>
+              <a:t> 248233U - J. A. A. M. Jayaweera</a:t>
             </a:r>
           </a:p>
         </p:txBody>
       </p:sp>
       <p:grpSp>
         <p:nvGrpSpPr>
-          <p:cNvPr name="Group 16" id="16"/>
+          <p:cNvPr id="16" name="Group 16"/>
           <p:cNvGrpSpPr/>
           <p:nvPr/>
         </p:nvGrpSpPr>
         <p:grpSpPr>
-          <a:xfrm rot="0">
+          <a:xfrm>
             <a:off x="16661154" y="8872920"/>
             <a:ext cx="983526" cy="994585"/>
             <a:chOff x="0" y="0"/>
@@ -4583,12 +4526,12 @@
         </p:grpSpPr>
         <p:sp>
           <p:nvSpPr>
-            <p:cNvPr name="Freeform 17" id="17"/>
+            <p:cNvPr id="17" name="Freeform 17"/>
             <p:cNvSpPr/>
             <p:nvPr/>
           </p:nvSpPr>
           <p:spPr>
-            <a:xfrm flipH="false" flipV="false" rot="0">
+            <a:xfrm>
               <a:off x="0" y="0"/>
               <a:ext cx="1037170" cy="1048832"/>
             </a:xfrm>
@@ -4597,9 +4540,9 @@
               <a:gdLst/>
               <a:ahLst/>
               <a:cxnLst/>
-              <a:rect r="r" b="b" t="t" l="l"/>
+              <a:rect l="l" t="t" r="r" b="b"/>
               <a:pathLst>
-                <a:path h="1048832" w="1037170">
+                <a:path w="1037170" h="1048832">
                   <a:moveTo>
                     <a:pt x="518585" y="0"/>
                   </a:moveTo>
@@ -4631,11 +4574,18 @@
               <a:srgbClr val="EF8508"/>
             </a:solidFill>
           </p:spPr>
+          <p:txBody>
+            <a:bodyPr/>
+            <a:lstStyle/>
+            <a:p>
+              <a:endParaRPr lang="en-LK"/>
+            </a:p>
+          </p:txBody>
         </p:sp>
         <p:sp>
           <p:nvSpPr>
-            <p:cNvPr name="TextBox 18" id="18"/>
-            <p:cNvSpPr txBox="true"/>
+            <p:cNvPr id="18" name="TextBox 18"/>
+            <p:cNvSpPr txBox="1"/>
             <p:nvPr/>
           </p:nvSpPr>
           <p:spPr>
@@ -4648,7 +4598,7 @@
             </a:prstGeom>
           </p:spPr>
           <p:txBody>
-            <a:bodyPr anchor="ctr" rtlCol="false" tIns="50800" lIns="50800" bIns="50800" rIns="50800"/>
+            <a:bodyPr lIns="50800" tIns="50800" rIns="50800" bIns="50800" rtlCol="0" anchor="ctr"/>
             <a:lstStyle/>
             <a:p>
               <a:pPr algn="ctr">
@@ -4678,7 +4628,7 @@
 </file>
 
 <file path=ppt/slides/slide4.xml><?xml version="1.0" encoding="utf-8"?>
-<p:sld xmlns:p="http://schemas.openxmlformats.org/presentationml/2006/main" xmlns:a="http://schemas.openxmlformats.org/drawingml/2006/main">
+<p:sld xmlns:a="http://schemas.openxmlformats.org/drawingml/2006/main" xmlns:r="http://schemas.openxmlformats.org/officeDocument/2006/relationships" xmlns:p="http://schemas.openxmlformats.org/presentationml/2006/main">
   <p:cSld>
     <p:spTree>
       <p:nvGrpSpPr>
@@ -4696,12 +4646,12 @@
       </p:grpSpPr>
       <p:sp>
         <p:nvSpPr>
-          <p:cNvPr name="TextBox 2" id="2"/>
-          <p:cNvSpPr txBox="true"/>
+          <p:cNvPr id="2" name="TextBox 2"/>
+          <p:cNvSpPr txBox="1"/>
           <p:nvPr/>
         </p:nvSpPr>
         <p:spPr>
-          <a:xfrm rot="0">
+          <a:xfrm>
             <a:off x="1028700" y="2130321"/>
             <a:ext cx="16230600" cy="1150747"/>
           </a:xfrm>
@@ -4710,7 +4660,7 @@
           </a:prstGeom>
         </p:spPr>
         <p:txBody>
-          <a:bodyPr anchor="t" rtlCol="false" tIns="0" lIns="0" bIns="0" rIns="0">
+          <a:bodyPr lIns="0" tIns="0" rIns="0" bIns="0" rtlCol="0" anchor="t">
             <a:spAutoFit/>
           </a:bodyPr>
           <a:lstStyle/>
@@ -4750,12 +4700,12 @@
       </p:sp>
       <p:grpSp>
         <p:nvGrpSpPr>
-          <p:cNvPr name="Group 3" id="3"/>
+          <p:cNvPr id="3" name="Group 3"/>
           <p:cNvGrpSpPr/>
           <p:nvPr/>
         </p:nvGrpSpPr>
         <p:grpSpPr>
-          <a:xfrm rot="0">
+          <a:xfrm>
             <a:off x="1028700" y="3452518"/>
             <a:ext cx="9531002" cy="784479"/>
             <a:chOff x="0" y="0"/>
@@ -4764,12 +4714,12 @@
         </p:grpSpPr>
         <p:sp>
           <p:nvSpPr>
-            <p:cNvPr name="Freeform 4" id="4"/>
+            <p:cNvPr id="4" name="Freeform 4"/>
             <p:cNvSpPr/>
             <p:nvPr/>
           </p:nvSpPr>
           <p:spPr>
-            <a:xfrm flipH="false" flipV="false" rot="0">
+            <a:xfrm>
               <a:off x="0" y="0"/>
               <a:ext cx="2510223" cy="206612"/>
             </a:xfrm>
@@ -4778,9 +4728,9 @@
               <a:gdLst/>
               <a:ahLst/>
               <a:cxnLst/>
-              <a:rect r="r" b="b" t="t" l="l"/>
+              <a:rect l="l" t="t" r="r" b="b"/>
               <a:pathLst>
-                <a:path h="206612" w="2510223">
+                <a:path w="2510223" h="206612">
                   <a:moveTo>
                     <a:pt x="41427" y="0"/>
                   </a:moveTo>
@@ -4829,11 +4779,18 @@
               <a:srgbClr val="252F3E"/>
             </a:solidFill>
           </p:spPr>
+          <p:txBody>
+            <a:bodyPr/>
+            <a:lstStyle/>
+            <a:p>
+              <a:endParaRPr lang="en-LK"/>
+            </a:p>
+          </p:txBody>
         </p:sp>
         <p:sp>
           <p:nvSpPr>
-            <p:cNvPr name="TextBox 5" id="5"/>
-            <p:cNvSpPr txBox="true"/>
+            <p:cNvPr id="5" name="TextBox 5"/>
+            <p:cNvSpPr txBox="1"/>
             <p:nvPr/>
           </p:nvSpPr>
           <p:spPr>
@@ -4846,7 +4803,7 @@
             </a:prstGeom>
           </p:spPr>
           <p:txBody>
-            <a:bodyPr anchor="ctr" rtlCol="false" tIns="50800" lIns="50800" bIns="50800" rIns="50800"/>
+            <a:bodyPr lIns="50800" tIns="50800" rIns="50800" bIns="50800" rtlCol="0" anchor="ctr"/>
             <a:lstStyle/>
             <a:p>
               <a:pPr>
@@ -4869,12 +4826,12 @@
       </p:grpSp>
       <p:sp>
         <p:nvSpPr>
-          <p:cNvPr name="TextBox 6" id="6"/>
-          <p:cNvSpPr txBox="true"/>
+          <p:cNvPr id="6" name="TextBox 6"/>
+          <p:cNvSpPr txBox="1"/>
           <p:nvPr/>
         </p:nvSpPr>
         <p:spPr>
-          <a:xfrm rot="0">
+          <a:xfrm>
             <a:off x="12474741" y="500682"/>
             <a:ext cx="4784559" cy="273685"/>
           </a:xfrm>
@@ -4883,7 +4840,7 @@
           </a:prstGeom>
         </p:spPr>
         <p:txBody>
-          <a:bodyPr anchor="t" rtlCol="false" tIns="0" lIns="0" bIns="0" rIns="0">
+          <a:bodyPr lIns="0" tIns="0" rIns="0" bIns="0" rtlCol="0" anchor="t">
             <a:spAutoFit/>
           </a:bodyPr>
           <a:lstStyle/>
@@ -4900,28 +4857,19 @@
                 </a:solidFill>
                 <a:latin typeface="Bricolage Grotesque Light"/>
               </a:rPr>
-              <a:t> </a:t>
-            </a:r>
-            <a:r>
-              <a:rPr lang="en-US" sz="1599">
-                <a:solidFill>
-                  <a:srgbClr val="252F3E"/>
-                </a:solidFill>
-                <a:latin typeface="Bricolage Grotesque Light"/>
-              </a:rPr>
-              <a:t>CS5229 - Big Data Analytics Technologies</a:t>
-            </a:r>
-          </a:p>
-        </p:txBody>
-      </p:sp>
-      <p:sp>
-        <p:nvSpPr>
-          <p:cNvPr name="TextBox 7" id="7"/>
-          <p:cNvSpPr txBox="true"/>
+              <a:t> CS5229 - Big Data Analytics Technologies</a:t>
+            </a:r>
+          </a:p>
+        </p:txBody>
+      </p:sp>
+      <p:sp>
+        <p:nvSpPr>
+          <p:cNvPr id="7" name="TextBox 7"/>
+          <p:cNvSpPr txBox="1"/>
           <p:nvPr/>
         </p:nvSpPr>
         <p:spPr>
-          <a:xfrm rot="0">
+          <a:xfrm>
             <a:off x="1028700" y="1122594"/>
             <a:ext cx="14850765" cy="1000125"/>
           </a:xfrm>
@@ -4930,7 +4878,7 @@
           </a:prstGeom>
         </p:spPr>
         <p:txBody>
-          <a:bodyPr anchor="t" rtlCol="false" tIns="0" lIns="0" bIns="0" rIns="0">
+          <a:bodyPr lIns="0" tIns="0" rIns="0" bIns="0" rtlCol="0" anchor="t">
             <a:spAutoFit/>
           </a:bodyPr>
           <a:lstStyle/>
@@ -4963,12 +4911,12 @@
       </p:sp>
       <p:sp>
         <p:nvSpPr>
-          <p:cNvPr name="TextBox 8" id="8"/>
-          <p:cNvSpPr txBox="true"/>
+          <p:cNvPr id="8" name="TextBox 8"/>
+          <p:cNvSpPr txBox="1"/>
           <p:nvPr/>
         </p:nvSpPr>
         <p:spPr>
-          <a:xfrm rot="0">
+          <a:xfrm>
             <a:off x="1028700" y="4341772"/>
             <a:ext cx="16230600" cy="5450205"/>
           </a:xfrm>
@@ -4977,7 +4925,7 @@
           </a:prstGeom>
         </p:spPr>
         <p:txBody>
-          <a:bodyPr anchor="t" rtlCol="false" tIns="0" lIns="0" bIns="0" rIns="0">
+          <a:bodyPr lIns="0" tIns="0" rIns="0" bIns="0" rtlCol="0" anchor="t">
             <a:spAutoFit/>
           </a:bodyPr>
           <a:lstStyle/>
@@ -5007,7 +4955,7 @@
             </a:r>
           </a:p>
           <a:p>
-            <a:pPr algn="just" marL="604519" indent="-302260" lvl="1">
+            <a:pPr marL="604519" lvl="1" indent="-302260" algn="just">
               <a:lnSpc>
                 <a:spcPts val="3919"/>
               </a:lnSpc>
@@ -5030,6 +4978,12 @@
                 <a:spcPts val="1680"/>
               </a:lnSpc>
             </a:pPr>
+            <a:endParaRPr lang="en-US" sz="2799">
+              <a:solidFill>
+                <a:srgbClr val="252F3E"/>
+              </a:solidFill>
+              <a:latin typeface="HK Grotesk"/>
+            </a:endParaRPr>
           </a:p>
           <a:p>
             <a:pPr algn="just">
@@ -5057,7 +5011,7 @@
             </a:r>
           </a:p>
           <a:p>
-            <a:pPr algn="just" marL="604519" indent="-302260" lvl="1">
+            <a:pPr marL="604519" lvl="1" indent="-302260" algn="just">
               <a:lnSpc>
                 <a:spcPts val="3919"/>
               </a:lnSpc>
@@ -5080,6 +5034,12 @@
                 <a:spcPts val="1679"/>
               </a:lnSpc>
             </a:pPr>
+            <a:endParaRPr lang="en-US" sz="2799">
+              <a:solidFill>
+                <a:srgbClr val="252F3E"/>
+              </a:solidFill>
+              <a:latin typeface="HK Grotesk"/>
+            </a:endParaRPr>
           </a:p>
           <a:p>
             <a:pPr algn="just">
@@ -5107,7 +5067,7 @@
             </a:r>
           </a:p>
           <a:p>
-            <a:pPr algn="just" marL="604519" indent="-302260" lvl="1">
+            <a:pPr marL="604519" lvl="1" indent="-302260" algn="just">
               <a:lnSpc>
                 <a:spcPts val="3919"/>
               </a:lnSpc>
@@ -5130,6 +5090,12 @@
                 <a:spcPts val="1679"/>
               </a:lnSpc>
             </a:pPr>
+            <a:endParaRPr lang="en-US" sz="2799">
+              <a:solidFill>
+                <a:srgbClr val="252F3E"/>
+              </a:solidFill>
+              <a:latin typeface="HK Grotesk"/>
+            </a:endParaRPr>
           </a:p>
           <a:p>
             <a:pPr algn="just">
@@ -5157,7 +5123,7 @@
             </a:r>
           </a:p>
           <a:p>
-            <a:pPr algn="just" marL="604519" indent="-302260" lvl="1">
+            <a:pPr marL="604519" lvl="1" indent="-302260" algn="just">
               <a:lnSpc>
                 <a:spcPts val="3919"/>
               </a:lnSpc>
@@ -5178,12 +5144,12 @@
       </p:sp>
       <p:sp>
         <p:nvSpPr>
-          <p:cNvPr name="TextBox 9" id="9"/>
-          <p:cNvSpPr txBox="true"/>
+          <p:cNvPr id="9" name="TextBox 9"/>
+          <p:cNvSpPr txBox="1"/>
           <p:nvPr/>
         </p:nvSpPr>
         <p:spPr>
-          <a:xfrm rot="0">
+          <a:xfrm>
             <a:off x="1028700" y="500682"/>
             <a:ext cx="4784559" cy="273685"/>
           </a:xfrm>
@@ -5192,7 +5158,7 @@
           </a:prstGeom>
         </p:spPr>
         <p:txBody>
-          <a:bodyPr anchor="t" rtlCol="false" tIns="0" lIns="0" bIns="0" rIns="0">
+          <a:bodyPr lIns="0" tIns="0" rIns="0" bIns="0" rtlCol="0" anchor="t">
             <a:spAutoFit/>
           </a:bodyPr>
           <a:lstStyle/>
@@ -5209,28 +5175,19 @@
                 </a:solidFill>
                 <a:latin typeface="Bricolage Grotesque Light"/>
               </a:rPr>
-              <a:t> 248233U - </a:t>
-            </a:r>
-            <a:r>
-              <a:rPr lang="en-US" sz="1599" spc="-31">
-                <a:solidFill>
-                  <a:srgbClr val="252F3E"/>
-                </a:solidFill>
-                <a:latin typeface="Bricolage Grotesque Light"/>
-              </a:rPr>
-              <a:t>J. A. A. M. Jayaweera</a:t>
+              <a:t> 248233U - J. A. A. M. Jayaweera</a:t>
             </a:r>
           </a:p>
         </p:txBody>
       </p:sp>
       <p:grpSp>
         <p:nvGrpSpPr>
-          <p:cNvPr name="Group 10" id="10"/>
+          <p:cNvPr id="10" name="Group 10"/>
           <p:cNvGrpSpPr/>
           <p:nvPr/>
         </p:nvGrpSpPr>
         <p:grpSpPr>
-          <a:xfrm rot="0">
+          <a:xfrm>
             <a:off x="17259300" y="9228010"/>
             <a:ext cx="983526" cy="994585"/>
             <a:chOff x="0" y="0"/>
@@ -5239,12 +5196,12 @@
         </p:grpSpPr>
         <p:sp>
           <p:nvSpPr>
-            <p:cNvPr name="Freeform 11" id="11"/>
+            <p:cNvPr id="11" name="Freeform 11"/>
             <p:cNvSpPr/>
             <p:nvPr/>
           </p:nvSpPr>
           <p:spPr>
-            <a:xfrm flipH="false" flipV="false" rot="0">
+            <a:xfrm>
               <a:off x="0" y="0"/>
               <a:ext cx="1037170" cy="1048832"/>
             </a:xfrm>
@@ -5253,9 +5210,9 @@
               <a:gdLst/>
               <a:ahLst/>
               <a:cxnLst/>
-              <a:rect r="r" b="b" t="t" l="l"/>
+              <a:rect l="l" t="t" r="r" b="b"/>
               <a:pathLst>
-                <a:path h="1048832" w="1037170">
+                <a:path w="1037170" h="1048832">
                   <a:moveTo>
                     <a:pt x="518585" y="0"/>
                   </a:moveTo>
@@ -5287,11 +5244,18 @@
               <a:srgbClr val="EF8508"/>
             </a:solidFill>
           </p:spPr>
+          <p:txBody>
+            <a:bodyPr/>
+            <a:lstStyle/>
+            <a:p>
+              <a:endParaRPr lang="en-LK"/>
+            </a:p>
+          </p:txBody>
         </p:sp>
         <p:sp>
           <p:nvSpPr>
-            <p:cNvPr name="TextBox 12" id="12"/>
-            <p:cNvSpPr txBox="true"/>
+            <p:cNvPr id="12" name="TextBox 12"/>
+            <p:cNvSpPr txBox="1"/>
             <p:nvPr/>
           </p:nvSpPr>
           <p:spPr>
@@ -5304,7 +5268,7 @@
             </a:prstGeom>
           </p:spPr>
           <p:txBody>
-            <a:bodyPr anchor="ctr" rtlCol="false" tIns="50800" lIns="50800" bIns="50800" rIns="50800"/>
+            <a:bodyPr lIns="50800" tIns="50800" rIns="50800" bIns="50800" rtlCol="0" anchor="ctr"/>
             <a:lstStyle/>
             <a:p>
               <a:pPr algn="ctr">
@@ -5334,13 +5298,14 @@
 </file>
 
 <file path=ppt/slides/slide5.xml><?xml version="1.0" encoding="utf-8"?>
-<p:sld xmlns:p="http://schemas.openxmlformats.org/presentationml/2006/main" xmlns:a="http://schemas.openxmlformats.org/drawingml/2006/main" xmlns:r="http://schemas.openxmlformats.org/officeDocument/2006/relationships">
+<p:sld xmlns:a="http://schemas.openxmlformats.org/drawingml/2006/main" xmlns:r="http://schemas.openxmlformats.org/officeDocument/2006/relationships" xmlns:p="http://schemas.openxmlformats.org/presentationml/2006/main">
   <p:cSld>
     <p:bg>
       <p:bgPr>
         <a:solidFill>
           <a:srgbClr val="EF8508"/>
         </a:solidFill>
+        <a:effectLst/>
       </p:bgPr>
     </p:bg>
     <p:spTree>
@@ -5359,12 +5324,12 @@
       </p:grpSpPr>
       <p:sp>
         <p:nvSpPr>
-          <p:cNvPr name="TextBox 2" id="2"/>
-          <p:cNvSpPr txBox="true"/>
+          <p:cNvPr id="2" name="TextBox 2"/>
+          <p:cNvSpPr txBox="1"/>
           <p:nvPr/>
         </p:nvSpPr>
         <p:spPr>
-          <a:xfrm rot="0">
+          <a:xfrm>
             <a:off x="4369827" y="4086437"/>
             <a:ext cx="9548346" cy="909955"/>
           </a:xfrm>
@@ -5373,7 +5338,7 @@
           </a:prstGeom>
         </p:spPr>
         <p:txBody>
-          <a:bodyPr anchor="t" rtlCol="false" tIns="0" lIns="0" bIns="0" rIns="0">
+          <a:bodyPr lIns="0" tIns="0" rIns="0" bIns="0" rtlCol="0" anchor="t">
             <a:spAutoFit/>
           </a:bodyPr>
           <a:lstStyle/>
@@ -5397,12 +5362,12 @@
       </p:sp>
       <p:sp>
         <p:nvSpPr>
-          <p:cNvPr name="Freeform 3" id="3"/>
+          <p:cNvPr id="3" name="Freeform 3"/>
           <p:cNvSpPr/>
           <p:nvPr/>
         </p:nvSpPr>
         <p:spPr>
-          <a:xfrm flipH="false" flipV="false" rot="4326401">
+          <a:xfrm rot="4326401">
             <a:off x="-2029826" y="2641471"/>
             <a:ext cx="14975430" cy="12945611"/>
           </a:xfrm>
@@ -5411,9 +5376,9 @@
             <a:gdLst/>
             <a:ahLst/>
             <a:cxnLst/>
-            <a:rect r="r" b="b" t="t" l="l"/>
+            <a:rect l="l" t="t" r="r" b="b"/>
             <a:pathLst>
-              <a:path h="12945611" w="14975430">
+              <a:path w="14975430" h="12945611">
                 <a:moveTo>
                   <a:pt x="0" y="0"/>
                 </a:moveTo>
@@ -5443,19 +5408,26 @@
               </a:extLst>
             </a:blip>
             <a:stretch>
-              <a:fillRect l="0" t="0" r="0" b="0"/>
+              <a:fillRect/>
             </a:stretch>
           </a:blipFill>
         </p:spPr>
-      </p:sp>
-      <p:sp>
-        <p:nvSpPr>
-          <p:cNvPr name="TextBox 4" id="4"/>
-          <p:cNvSpPr txBox="true"/>
+        <p:txBody>
+          <a:bodyPr/>
+          <a:lstStyle/>
+          <a:p>
+            <a:endParaRPr lang="en-LK"/>
+          </a:p>
+        </p:txBody>
+      </p:sp>
+      <p:sp>
+        <p:nvSpPr>
+          <p:cNvPr id="4" name="TextBox 4"/>
+          <p:cNvSpPr txBox="1"/>
           <p:nvPr/>
         </p:nvSpPr>
         <p:spPr>
-          <a:xfrm rot="0">
+          <a:xfrm>
             <a:off x="12474741" y="500682"/>
             <a:ext cx="4784559" cy="273685"/>
           </a:xfrm>
@@ -5464,7 +5436,7 @@
           </a:prstGeom>
         </p:spPr>
         <p:txBody>
-          <a:bodyPr anchor="t" rtlCol="false" tIns="0" lIns="0" bIns="0" rIns="0">
+          <a:bodyPr lIns="0" tIns="0" rIns="0" bIns="0" rtlCol="0" anchor="t">
             <a:spAutoFit/>
           </a:bodyPr>
           <a:lstStyle/>
@@ -5481,28 +5453,19 @@
                 </a:solidFill>
                 <a:latin typeface="Bricolage Grotesque Light"/>
               </a:rPr>
-              <a:t> </a:t>
-            </a:r>
-            <a:r>
-              <a:rPr lang="en-US" sz="1599">
-                <a:solidFill>
-                  <a:srgbClr val="FFFFFF"/>
-                </a:solidFill>
-                <a:latin typeface="Bricolage Grotesque Light"/>
-              </a:rPr>
-              <a:t>CS5229 - Big Data Analytics Technologies</a:t>
-            </a:r>
-          </a:p>
-        </p:txBody>
-      </p:sp>
-      <p:sp>
-        <p:nvSpPr>
-          <p:cNvPr name="TextBox 5" id="5"/>
-          <p:cNvSpPr txBox="true"/>
+              <a:t> CS5229 - Big Data Analytics Technologies</a:t>
+            </a:r>
+          </a:p>
+        </p:txBody>
+      </p:sp>
+      <p:sp>
+        <p:nvSpPr>
+          <p:cNvPr id="5" name="TextBox 5"/>
+          <p:cNvSpPr txBox="1"/>
           <p:nvPr/>
         </p:nvSpPr>
         <p:spPr>
-          <a:xfrm rot="0">
+          <a:xfrm>
             <a:off x="1028700" y="500682"/>
             <a:ext cx="4784559" cy="273685"/>
           </a:xfrm>
@@ -5511,7 +5474,7 @@
           </a:prstGeom>
         </p:spPr>
         <p:txBody>
-          <a:bodyPr anchor="t" rtlCol="false" tIns="0" lIns="0" bIns="0" rIns="0">
+          <a:bodyPr lIns="0" tIns="0" rIns="0" bIns="0" rtlCol="0" anchor="t">
             <a:spAutoFit/>
           </a:bodyPr>
           <a:lstStyle/>
@@ -5528,28 +5491,19 @@
                 </a:solidFill>
                 <a:latin typeface="Bricolage Grotesque Light"/>
               </a:rPr>
-              <a:t> 248233U - </a:t>
-            </a:r>
-            <a:r>
-              <a:rPr lang="en-US" sz="1599" spc="-31">
-                <a:solidFill>
-                  <a:srgbClr val="FFFFFF"/>
-                </a:solidFill>
-                <a:latin typeface="Bricolage Grotesque Light"/>
-              </a:rPr>
-              <a:t>J. A. A. M. Jayaweera</a:t>
+              <a:t> 248233U - J. A. A. M. Jayaweera</a:t>
             </a:r>
           </a:p>
         </p:txBody>
       </p:sp>
       <p:grpSp>
         <p:nvGrpSpPr>
-          <p:cNvPr name="Group 6" id="6"/>
+          <p:cNvPr id="6" name="Group 6"/>
           <p:cNvGrpSpPr/>
           <p:nvPr/>
         </p:nvGrpSpPr>
         <p:grpSpPr>
-          <a:xfrm rot="0">
+          <a:xfrm>
             <a:off x="16661154" y="8872920"/>
             <a:ext cx="983526" cy="994585"/>
             <a:chOff x="0" y="0"/>
@@ -5558,12 +5512,12 @@
         </p:grpSpPr>
         <p:sp>
           <p:nvSpPr>
-            <p:cNvPr name="Freeform 7" id="7"/>
+            <p:cNvPr id="7" name="Freeform 7"/>
             <p:cNvSpPr/>
             <p:nvPr/>
           </p:nvSpPr>
           <p:spPr>
-            <a:xfrm flipH="false" flipV="false" rot="0">
+            <a:xfrm>
               <a:off x="0" y="0"/>
               <a:ext cx="1037170" cy="1048832"/>
             </a:xfrm>
@@ -5572,9 +5526,9 @@
               <a:gdLst/>
               <a:ahLst/>
               <a:cxnLst/>
-              <a:rect r="r" b="b" t="t" l="l"/>
+              <a:rect l="l" t="t" r="r" b="b"/>
               <a:pathLst>
-                <a:path h="1048832" w="1037170">
+                <a:path w="1037170" h="1048832">
                   <a:moveTo>
                     <a:pt x="518585" y="0"/>
                   </a:moveTo>
@@ -5606,11 +5560,18 @@
               <a:srgbClr val="EF8508"/>
             </a:solidFill>
           </p:spPr>
+          <p:txBody>
+            <a:bodyPr/>
+            <a:lstStyle/>
+            <a:p>
+              <a:endParaRPr lang="en-LK"/>
+            </a:p>
+          </p:txBody>
         </p:sp>
         <p:sp>
           <p:nvSpPr>
-            <p:cNvPr name="TextBox 8" id="8"/>
-            <p:cNvSpPr txBox="true"/>
+            <p:cNvPr id="8" name="TextBox 8"/>
+            <p:cNvSpPr txBox="1"/>
             <p:nvPr/>
           </p:nvSpPr>
           <p:spPr>
@@ -5623,7 +5584,7 @@
             </a:prstGeom>
           </p:spPr>
           <p:txBody>
-            <a:bodyPr anchor="ctr" rtlCol="false" tIns="50800" lIns="50800" bIns="50800" rIns="50800"/>
+            <a:bodyPr lIns="50800" tIns="50800" rIns="50800" bIns="50800" rtlCol="0" anchor="ctr"/>
             <a:lstStyle/>
             <a:p>
               <a:pPr algn="ctr">
@@ -5653,7 +5614,7 @@
 </file>
 
 <file path=ppt/slides/slide6.xml><?xml version="1.0" encoding="utf-8"?>
-<p:sld xmlns:p="http://schemas.openxmlformats.org/presentationml/2006/main" xmlns:a="http://schemas.openxmlformats.org/drawingml/2006/main">
+<p:sld xmlns:a="http://schemas.openxmlformats.org/drawingml/2006/main" xmlns:r="http://schemas.openxmlformats.org/officeDocument/2006/relationships" xmlns:p="http://schemas.openxmlformats.org/presentationml/2006/main">
   <p:cSld>
     <p:spTree>
       <p:nvGrpSpPr>
@@ -5671,12 +5632,12 @@
       </p:grpSpPr>
       <p:sp>
         <p:nvSpPr>
-          <p:cNvPr name="TextBox 2" id="2"/>
-          <p:cNvSpPr txBox="true"/>
+          <p:cNvPr id="2" name="TextBox 2"/>
+          <p:cNvSpPr txBox="1"/>
           <p:nvPr/>
         </p:nvSpPr>
         <p:spPr>
-          <a:xfrm rot="0">
+          <a:xfrm>
             <a:off x="9466230" y="1483416"/>
             <a:ext cx="1853669" cy="184654"/>
           </a:xfrm>
@@ -5685,7 +5646,7 @@
           </a:prstGeom>
         </p:spPr>
         <p:txBody>
-          <a:bodyPr anchor="t" rtlCol="false" tIns="0" lIns="0" bIns="0" rIns="0">
+          <a:bodyPr lIns="0" tIns="0" rIns="0" bIns="0" rtlCol="0" anchor="t">
             <a:spAutoFit/>
           </a:bodyPr>
           <a:lstStyle/>
@@ -5712,12 +5673,12 @@
       </p:sp>
       <p:sp>
         <p:nvSpPr>
-          <p:cNvPr name="TextBox 3" id="3"/>
-          <p:cNvSpPr txBox="true"/>
+          <p:cNvPr id="3" name="TextBox 3"/>
+          <p:cNvSpPr txBox="1"/>
           <p:nvPr/>
         </p:nvSpPr>
         <p:spPr>
-          <a:xfrm rot="0">
+          <a:xfrm>
             <a:off x="1028700" y="1028700"/>
             <a:ext cx="9729906" cy="971550"/>
           </a:xfrm>
@@ -5726,7 +5687,7 @@
           </a:prstGeom>
         </p:spPr>
         <p:txBody>
-          <a:bodyPr anchor="t" rtlCol="false" tIns="0" lIns="0" bIns="0" rIns="0">
+          <a:bodyPr lIns="0" tIns="0" rIns="0" bIns="0" rtlCol="0" anchor="t">
             <a:spAutoFit/>
           </a:bodyPr>
           <a:lstStyle/>
@@ -5750,12 +5711,12 @@
       </p:sp>
       <p:sp>
         <p:nvSpPr>
-          <p:cNvPr name="TextBox 4" id="4"/>
-          <p:cNvSpPr txBox="true"/>
+          <p:cNvPr id="4" name="TextBox 4"/>
+          <p:cNvSpPr txBox="1"/>
           <p:nvPr/>
         </p:nvSpPr>
         <p:spPr>
-          <a:xfrm rot="0">
+          <a:xfrm>
             <a:off x="3397111" y="2000250"/>
             <a:ext cx="11493779" cy="847725"/>
           </a:xfrm>
@@ -5764,7 +5725,7 @@
           </a:prstGeom>
         </p:spPr>
         <p:txBody>
-          <a:bodyPr anchor="t" rtlCol="false" tIns="0" lIns="0" bIns="0" rIns="0">
+          <a:bodyPr lIns="0" tIns="0" rIns="0" bIns="0" rtlCol="0" anchor="t">
             <a:spAutoFit/>
           </a:bodyPr>
           <a:lstStyle/>
@@ -5806,12 +5767,12 @@
       </p:sp>
       <p:grpSp>
         <p:nvGrpSpPr>
-          <p:cNvPr name="Group 5" id="5"/>
+          <p:cNvPr id="5" name="Group 5"/>
           <p:cNvGrpSpPr/>
           <p:nvPr/>
         </p:nvGrpSpPr>
         <p:grpSpPr>
-          <a:xfrm rot="0">
+          <a:xfrm>
             <a:off x="2131178" y="3244185"/>
             <a:ext cx="5554961" cy="746760"/>
             <a:chOff x="0" y="0"/>
@@ -5820,12 +5781,12 @@
         </p:grpSpPr>
         <p:sp>
           <p:nvSpPr>
-            <p:cNvPr name="Freeform 6" id="6"/>
+            <p:cNvPr id="6" name="Freeform 6"/>
             <p:cNvSpPr/>
             <p:nvPr/>
           </p:nvSpPr>
           <p:spPr>
-            <a:xfrm flipH="false" flipV="false" rot="0">
+            <a:xfrm>
               <a:off x="0" y="0"/>
               <a:ext cx="1463035" cy="196678"/>
             </a:xfrm>
@@ -5834,9 +5795,9 @@
               <a:gdLst/>
               <a:ahLst/>
               <a:cxnLst/>
-              <a:rect r="r" b="b" t="t" l="l"/>
+              <a:rect l="l" t="t" r="r" b="b"/>
               <a:pathLst>
-                <a:path h="196678" w="1463035">
+                <a:path w="1463035" h="196678">
                   <a:moveTo>
                     <a:pt x="71078" y="0"/>
                   </a:moveTo>
@@ -5900,11 +5861,18 @@
               <a:srgbClr val="EF8508"/>
             </a:solidFill>
           </p:spPr>
+          <p:txBody>
+            <a:bodyPr/>
+            <a:lstStyle/>
+            <a:p>
+              <a:endParaRPr lang="en-LK"/>
+            </a:p>
+          </p:txBody>
         </p:sp>
         <p:sp>
           <p:nvSpPr>
-            <p:cNvPr name="TextBox 7" id="7"/>
-            <p:cNvSpPr txBox="true"/>
+            <p:cNvPr id="7" name="TextBox 7"/>
+            <p:cNvSpPr txBox="1"/>
             <p:nvPr/>
           </p:nvSpPr>
           <p:spPr>
@@ -5917,7 +5885,7 @@
             </a:prstGeom>
           </p:spPr>
           <p:txBody>
-            <a:bodyPr anchor="ctr" rtlCol="false" tIns="50800" lIns="50800" bIns="50800" rIns="50800"/>
+            <a:bodyPr lIns="50800" tIns="50800" rIns="50800" bIns="50800" rtlCol="0" anchor="ctr"/>
             <a:lstStyle/>
             <a:p>
               <a:pPr algn="ctr">
@@ -5941,12 +5909,12 @@
       </p:grpSp>
       <p:grpSp>
         <p:nvGrpSpPr>
-          <p:cNvPr name="Group 8" id="8"/>
+          <p:cNvPr id="8" name="Group 8"/>
           <p:cNvGrpSpPr/>
           <p:nvPr/>
         </p:nvGrpSpPr>
         <p:grpSpPr>
-          <a:xfrm rot="0">
+          <a:xfrm>
             <a:off x="10601861" y="3244185"/>
             <a:ext cx="5554961" cy="746760"/>
             <a:chOff x="0" y="0"/>
@@ -5955,12 +5923,12 @@
         </p:grpSpPr>
         <p:sp>
           <p:nvSpPr>
-            <p:cNvPr name="Freeform 9" id="9"/>
+            <p:cNvPr id="9" name="Freeform 9"/>
             <p:cNvSpPr/>
             <p:nvPr/>
           </p:nvSpPr>
           <p:spPr>
-            <a:xfrm flipH="false" flipV="false" rot="0">
+            <a:xfrm>
               <a:off x="0" y="0"/>
               <a:ext cx="1463035" cy="196678"/>
             </a:xfrm>
@@ -5969,9 +5937,9 @@
               <a:gdLst/>
               <a:ahLst/>
               <a:cxnLst/>
-              <a:rect r="r" b="b" t="t" l="l"/>
+              <a:rect l="l" t="t" r="r" b="b"/>
               <a:pathLst>
-                <a:path h="196678" w="1463035">
+                <a:path w="1463035" h="196678">
                   <a:moveTo>
                     <a:pt x="71078" y="0"/>
                   </a:moveTo>
@@ -6035,11 +6003,18 @@
               <a:srgbClr val="252F3E"/>
             </a:solidFill>
           </p:spPr>
+          <p:txBody>
+            <a:bodyPr/>
+            <a:lstStyle/>
+            <a:p>
+              <a:endParaRPr lang="en-LK"/>
+            </a:p>
+          </p:txBody>
         </p:sp>
         <p:sp>
           <p:nvSpPr>
-            <p:cNvPr name="TextBox 10" id="10"/>
-            <p:cNvSpPr txBox="true"/>
+            <p:cNvPr id="10" name="TextBox 10"/>
+            <p:cNvSpPr txBox="1"/>
             <p:nvPr/>
           </p:nvSpPr>
           <p:spPr>
@@ -6052,7 +6027,7 @@
             </a:prstGeom>
           </p:spPr>
           <p:txBody>
-            <a:bodyPr anchor="ctr" rtlCol="false" tIns="50800" lIns="50800" bIns="50800" rIns="50800"/>
+            <a:bodyPr lIns="50800" tIns="50800" rIns="50800" bIns="50800" rtlCol="0" anchor="ctr"/>
             <a:lstStyle/>
             <a:p>
               <a:pPr algn="ctr">
@@ -6076,12 +6051,12 @@
       </p:grpSp>
       <p:sp>
         <p:nvSpPr>
-          <p:cNvPr name="TextBox 11" id="11"/>
-          <p:cNvSpPr txBox="true"/>
+          <p:cNvPr id="11" name="TextBox 11"/>
+          <p:cNvSpPr txBox="1"/>
           <p:nvPr/>
         </p:nvSpPr>
         <p:spPr>
-          <a:xfrm rot="0">
+          <a:xfrm>
             <a:off x="1028700" y="4481195"/>
             <a:ext cx="7191135" cy="4005580"/>
           </a:xfrm>
@@ -6090,12 +6065,12 @@
           </a:prstGeom>
         </p:spPr>
         <p:txBody>
-          <a:bodyPr anchor="t" rtlCol="false" tIns="0" lIns="0" bIns="0" rIns="0">
+          <a:bodyPr lIns="0" tIns="0" rIns="0" bIns="0" rtlCol="0" anchor="t">
             <a:spAutoFit/>
           </a:bodyPr>
           <a:lstStyle/>
           <a:p>
-            <a:pPr algn="just" marL="604519" indent="-302260" lvl="1">
+            <a:pPr marL="604519" lvl="1" indent="-302260" algn="just">
               <a:lnSpc>
                 <a:spcPts val="3919"/>
               </a:lnSpc>
@@ -6113,7 +6088,7 @@
             </a:r>
           </a:p>
           <a:p>
-            <a:pPr algn="just" marL="604519" indent="-302260" lvl="1">
+            <a:pPr marL="604519" lvl="1" indent="-302260" algn="just">
               <a:lnSpc>
                 <a:spcPts val="3919"/>
               </a:lnSpc>
@@ -6131,7 +6106,7 @@
             </a:r>
           </a:p>
           <a:p>
-            <a:pPr algn="just" marL="604519" indent="-302260" lvl="1">
+            <a:pPr marL="604519" lvl="1" indent="-302260" algn="just">
               <a:lnSpc>
                 <a:spcPts val="3919"/>
               </a:lnSpc>
@@ -6152,12 +6127,12 @@
       </p:sp>
       <p:sp>
         <p:nvSpPr>
-          <p:cNvPr name="TextBox 12" id="12"/>
-          <p:cNvSpPr txBox="true"/>
+          <p:cNvPr id="12" name="TextBox 12"/>
+          <p:cNvSpPr txBox="1"/>
           <p:nvPr/>
         </p:nvSpPr>
         <p:spPr>
-          <a:xfrm rot="0">
+          <a:xfrm>
             <a:off x="9466230" y="4481195"/>
             <a:ext cx="7793070" cy="4500880"/>
           </a:xfrm>
@@ -6166,12 +6141,12 @@
           </a:prstGeom>
         </p:spPr>
         <p:txBody>
-          <a:bodyPr anchor="t" rtlCol="false" tIns="0" lIns="0" bIns="0" rIns="0">
+          <a:bodyPr lIns="0" tIns="0" rIns="0" bIns="0" rtlCol="0" anchor="t">
             <a:spAutoFit/>
           </a:bodyPr>
           <a:lstStyle/>
           <a:p>
-            <a:pPr algn="just" marL="604519" indent="-302260" lvl="1">
+            <a:pPr marL="604519" lvl="1" indent="-302260" algn="just">
               <a:lnSpc>
                 <a:spcPts val="3919"/>
               </a:lnSpc>
@@ -6189,7 +6164,7 @@
             </a:r>
           </a:p>
           <a:p>
-            <a:pPr algn="just" marL="604519" indent="-302260" lvl="1">
+            <a:pPr marL="604519" lvl="1" indent="-302260" algn="just">
               <a:lnSpc>
                 <a:spcPts val="3919"/>
               </a:lnSpc>
@@ -6207,7 +6182,7 @@
             </a:r>
           </a:p>
           <a:p>
-            <a:pPr algn="just" marL="604519" indent="-302260" lvl="1">
+            <a:pPr marL="604519" lvl="1" indent="-302260" algn="just">
               <a:lnSpc>
                 <a:spcPts val="3919"/>
               </a:lnSpc>
@@ -6228,12 +6203,12 @@
       </p:sp>
       <p:sp>
         <p:nvSpPr>
-          <p:cNvPr name="TextBox 13" id="13"/>
-          <p:cNvSpPr txBox="true"/>
+          <p:cNvPr id="13" name="TextBox 13"/>
+          <p:cNvSpPr txBox="1"/>
           <p:nvPr/>
         </p:nvSpPr>
         <p:spPr>
-          <a:xfrm rot="0">
+          <a:xfrm>
             <a:off x="12474741" y="500682"/>
             <a:ext cx="4784559" cy="273685"/>
           </a:xfrm>
@@ -6242,7 +6217,7 @@
           </a:prstGeom>
         </p:spPr>
         <p:txBody>
-          <a:bodyPr anchor="t" rtlCol="false" tIns="0" lIns="0" bIns="0" rIns="0">
+          <a:bodyPr lIns="0" tIns="0" rIns="0" bIns="0" rtlCol="0" anchor="t">
             <a:spAutoFit/>
           </a:bodyPr>
           <a:lstStyle/>
@@ -6259,28 +6234,19 @@
                 </a:solidFill>
                 <a:latin typeface="Bricolage Grotesque Light"/>
               </a:rPr>
-              <a:t> </a:t>
-            </a:r>
-            <a:r>
-              <a:rPr lang="en-US" sz="1599">
-                <a:solidFill>
-                  <a:srgbClr val="252F3E"/>
-                </a:solidFill>
-                <a:latin typeface="Bricolage Grotesque Light"/>
-              </a:rPr>
-              <a:t>CS5229 - Big Data Analytics Technologies</a:t>
-            </a:r>
-          </a:p>
-        </p:txBody>
-      </p:sp>
-      <p:sp>
-        <p:nvSpPr>
-          <p:cNvPr name="TextBox 14" id="14"/>
-          <p:cNvSpPr txBox="true"/>
+              <a:t> CS5229 - Big Data Analytics Technologies</a:t>
+            </a:r>
+          </a:p>
+        </p:txBody>
+      </p:sp>
+      <p:sp>
+        <p:nvSpPr>
+          <p:cNvPr id="14" name="TextBox 14"/>
+          <p:cNvSpPr txBox="1"/>
           <p:nvPr/>
         </p:nvSpPr>
         <p:spPr>
-          <a:xfrm rot="0">
+          <a:xfrm>
             <a:off x="1028700" y="500682"/>
             <a:ext cx="4784559" cy="273685"/>
           </a:xfrm>
@@ -6289,7 +6255,7 @@
           </a:prstGeom>
         </p:spPr>
         <p:txBody>
-          <a:bodyPr anchor="t" rtlCol="false" tIns="0" lIns="0" bIns="0" rIns="0">
+          <a:bodyPr lIns="0" tIns="0" rIns="0" bIns="0" rtlCol="0" anchor="t">
             <a:spAutoFit/>
           </a:bodyPr>
           <a:lstStyle/>
@@ -6306,28 +6272,19 @@
                 </a:solidFill>
                 <a:latin typeface="Bricolage Grotesque Light"/>
               </a:rPr>
-              <a:t> 248233U - </a:t>
-            </a:r>
-            <a:r>
-              <a:rPr lang="en-US" sz="1599" spc="-31">
-                <a:solidFill>
-                  <a:srgbClr val="252F3E"/>
-                </a:solidFill>
-                <a:latin typeface="Bricolage Grotesque Light"/>
-              </a:rPr>
-              <a:t>J. A. A. M. Jayaweera</a:t>
+              <a:t> 248233U - J. A. A. M. Jayaweera</a:t>
             </a:r>
           </a:p>
         </p:txBody>
       </p:sp>
       <p:grpSp>
         <p:nvGrpSpPr>
-          <p:cNvPr name="Group 15" id="15"/>
+          <p:cNvPr id="15" name="Group 15"/>
           <p:cNvGrpSpPr/>
           <p:nvPr/>
         </p:nvGrpSpPr>
         <p:grpSpPr>
-          <a:xfrm rot="0">
+          <a:xfrm>
             <a:off x="536937" y="8761008"/>
             <a:ext cx="983526" cy="994585"/>
             <a:chOff x="0" y="0"/>
@@ -6336,12 +6293,12 @@
         </p:grpSpPr>
         <p:sp>
           <p:nvSpPr>
-            <p:cNvPr name="Freeform 16" id="16"/>
+            <p:cNvPr id="16" name="Freeform 16"/>
             <p:cNvSpPr/>
             <p:nvPr/>
           </p:nvSpPr>
           <p:spPr>
-            <a:xfrm flipH="false" flipV="false" rot="0">
+            <a:xfrm>
               <a:off x="0" y="0"/>
               <a:ext cx="1037170" cy="1048832"/>
             </a:xfrm>
@@ -6350,9 +6307,9 @@
               <a:gdLst/>
               <a:ahLst/>
               <a:cxnLst/>
-              <a:rect r="r" b="b" t="t" l="l"/>
+              <a:rect l="l" t="t" r="r" b="b"/>
               <a:pathLst>
-                <a:path h="1048832" w="1037170">
+                <a:path w="1037170" h="1048832">
                   <a:moveTo>
                     <a:pt x="518585" y="0"/>
                   </a:moveTo>
@@ -6384,11 +6341,18 @@
               <a:srgbClr val="EF8508"/>
             </a:solidFill>
           </p:spPr>
+          <p:txBody>
+            <a:bodyPr/>
+            <a:lstStyle/>
+            <a:p>
+              <a:endParaRPr lang="en-LK"/>
+            </a:p>
+          </p:txBody>
         </p:sp>
         <p:sp>
           <p:nvSpPr>
-            <p:cNvPr name="TextBox 17" id="17"/>
-            <p:cNvSpPr txBox="true"/>
+            <p:cNvPr id="17" name="TextBox 17"/>
+            <p:cNvSpPr txBox="1"/>
             <p:nvPr/>
           </p:nvSpPr>
           <p:spPr>
@@ -6401,7 +6365,7 @@
             </a:prstGeom>
           </p:spPr>
           <p:txBody>
-            <a:bodyPr anchor="ctr" rtlCol="false" tIns="50800" lIns="50800" bIns="50800" rIns="50800"/>
+            <a:bodyPr lIns="50800" tIns="50800" rIns="50800" bIns="50800" rtlCol="0" anchor="ctr"/>
             <a:lstStyle/>
             <a:p>
               <a:pPr algn="ctr">
@@ -6431,7 +6395,7 @@
 </file>
 
 <file path=ppt/slides/slide7.xml><?xml version="1.0" encoding="utf-8"?>
-<p:sld xmlns:p="http://schemas.openxmlformats.org/presentationml/2006/main" xmlns:a="http://schemas.openxmlformats.org/drawingml/2006/main">
+<p:sld xmlns:a="http://schemas.openxmlformats.org/drawingml/2006/main" xmlns:r="http://schemas.openxmlformats.org/officeDocument/2006/relationships" xmlns:p="http://schemas.openxmlformats.org/presentationml/2006/main">
   <p:cSld>
     <p:spTree>
       <p:nvGrpSpPr>
@@ -6449,12 +6413,12 @@
       </p:grpSpPr>
       <p:sp>
         <p:nvSpPr>
-          <p:cNvPr name="TextBox 2" id="2"/>
-          <p:cNvSpPr txBox="true"/>
+          <p:cNvPr id="2" name="TextBox 2"/>
+          <p:cNvSpPr txBox="1"/>
           <p:nvPr/>
         </p:nvSpPr>
         <p:spPr>
-          <a:xfrm rot="0">
+          <a:xfrm>
             <a:off x="9466230" y="1483416"/>
             <a:ext cx="1853669" cy="184654"/>
           </a:xfrm>
@@ -6463,7 +6427,7 @@
           </a:prstGeom>
         </p:spPr>
         <p:txBody>
-          <a:bodyPr anchor="t" rtlCol="false" tIns="0" lIns="0" bIns="0" rIns="0">
+          <a:bodyPr lIns="0" tIns="0" rIns="0" bIns="0" rtlCol="0" anchor="t">
             <a:spAutoFit/>
           </a:bodyPr>
           <a:lstStyle/>
@@ -6490,12 +6454,12 @@
       </p:sp>
       <p:sp>
         <p:nvSpPr>
-          <p:cNvPr name="TextBox 3" id="3"/>
-          <p:cNvSpPr txBox="true"/>
+          <p:cNvPr id="3" name="TextBox 3"/>
+          <p:cNvSpPr txBox="1"/>
           <p:nvPr/>
         </p:nvSpPr>
         <p:spPr>
-          <a:xfrm rot="0">
+          <a:xfrm>
             <a:off x="4279047" y="1028700"/>
             <a:ext cx="9729906" cy="971550"/>
           </a:xfrm>
@@ -6504,7 +6468,7 @@
           </a:prstGeom>
         </p:spPr>
         <p:txBody>
-          <a:bodyPr anchor="t" rtlCol="false" tIns="0" lIns="0" bIns="0" rIns="0">
+          <a:bodyPr lIns="0" tIns="0" rIns="0" bIns="0" rtlCol="0" anchor="t">
             <a:spAutoFit/>
           </a:bodyPr>
           <a:lstStyle/>
@@ -6528,12 +6492,12 @@
       </p:sp>
       <p:sp>
         <p:nvSpPr>
-          <p:cNvPr name="TextBox 4" id="4"/>
-          <p:cNvSpPr txBox="true"/>
+          <p:cNvPr id="4" name="TextBox 4"/>
+          <p:cNvSpPr txBox="1"/>
           <p:nvPr/>
         </p:nvSpPr>
         <p:spPr>
-          <a:xfrm rot="0">
+          <a:xfrm>
             <a:off x="3397111" y="2000250"/>
             <a:ext cx="11493779" cy="847725"/>
           </a:xfrm>
@@ -6542,7 +6506,7 @@
           </a:prstGeom>
         </p:spPr>
         <p:txBody>
-          <a:bodyPr anchor="t" rtlCol="false" tIns="0" lIns="0" bIns="0" rIns="0">
+          <a:bodyPr lIns="0" tIns="0" rIns="0" bIns="0" rtlCol="0" anchor="t">
             <a:spAutoFit/>
           </a:bodyPr>
           <a:lstStyle/>
@@ -6584,12 +6548,12 @@
       </p:sp>
       <p:grpSp>
         <p:nvGrpSpPr>
-          <p:cNvPr name="Group 5" id="5"/>
+          <p:cNvPr id="5" name="Group 5"/>
           <p:cNvGrpSpPr/>
           <p:nvPr/>
         </p:nvGrpSpPr>
         <p:grpSpPr>
-          <a:xfrm rot="0">
+          <a:xfrm>
             <a:off x="1028700" y="3319780"/>
             <a:ext cx="5554961" cy="746760"/>
             <a:chOff x="0" y="0"/>
@@ -6598,12 +6562,12 @@
         </p:grpSpPr>
         <p:sp>
           <p:nvSpPr>
-            <p:cNvPr name="Freeform 6" id="6"/>
+            <p:cNvPr id="6" name="Freeform 6"/>
             <p:cNvSpPr/>
             <p:nvPr/>
           </p:nvSpPr>
           <p:spPr>
-            <a:xfrm flipH="false" flipV="false" rot="0">
+            <a:xfrm>
               <a:off x="0" y="0"/>
               <a:ext cx="1463035" cy="196678"/>
             </a:xfrm>
@@ -6612,9 +6576,9 @@
               <a:gdLst/>
               <a:ahLst/>
               <a:cxnLst/>
-              <a:rect r="r" b="b" t="t" l="l"/>
+              <a:rect l="l" t="t" r="r" b="b"/>
               <a:pathLst>
-                <a:path h="196678" w="1463035">
+                <a:path w="1463035" h="196678">
                   <a:moveTo>
                     <a:pt x="71078" y="0"/>
                   </a:moveTo>
@@ -6678,11 +6642,18 @@
               <a:srgbClr val="EF8508"/>
             </a:solidFill>
           </p:spPr>
+          <p:txBody>
+            <a:bodyPr/>
+            <a:lstStyle/>
+            <a:p>
+              <a:endParaRPr lang="en-LK"/>
+            </a:p>
+          </p:txBody>
         </p:sp>
         <p:sp>
           <p:nvSpPr>
-            <p:cNvPr name="TextBox 7" id="7"/>
-            <p:cNvSpPr txBox="true"/>
+            <p:cNvPr id="7" name="TextBox 7"/>
+            <p:cNvSpPr txBox="1"/>
             <p:nvPr/>
           </p:nvSpPr>
           <p:spPr>
@@ -6695,7 +6666,7 @@
             </a:prstGeom>
           </p:spPr>
           <p:txBody>
-            <a:bodyPr anchor="ctr" rtlCol="false" tIns="50800" lIns="50800" bIns="50800" rIns="50800"/>
+            <a:bodyPr lIns="50800" tIns="50800" rIns="50800" bIns="50800" rtlCol="0" anchor="ctr"/>
             <a:lstStyle/>
             <a:p>
               <a:pPr algn="ctr">
@@ -6719,12 +6690,12 @@
       </p:grpSp>
       <p:grpSp>
         <p:nvGrpSpPr>
-          <p:cNvPr name="Group 8" id="8"/>
+          <p:cNvPr id="8" name="Group 8"/>
           <p:cNvGrpSpPr/>
           <p:nvPr/>
         </p:nvGrpSpPr>
         <p:grpSpPr>
-          <a:xfrm rot="0">
+          <a:xfrm>
             <a:off x="1028700" y="6265228"/>
             <a:ext cx="5554961" cy="746760"/>
             <a:chOff x="0" y="0"/>
@@ -6733,12 +6704,12 @@
         </p:grpSpPr>
         <p:sp>
           <p:nvSpPr>
-            <p:cNvPr name="Freeform 9" id="9"/>
+            <p:cNvPr id="9" name="Freeform 9"/>
             <p:cNvSpPr/>
             <p:nvPr/>
           </p:nvSpPr>
           <p:spPr>
-            <a:xfrm flipH="false" flipV="false" rot="0">
+            <a:xfrm>
               <a:off x="0" y="0"/>
               <a:ext cx="1463035" cy="196678"/>
             </a:xfrm>
@@ -6747,9 +6718,9 @@
               <a:gdLst/>
               <a:ahLst/>
               <a:cxnLst/>
-              <a:rect r="r" b="b" t="t" l="l"/>
+              <a:rect l="l" t="t" r="r" b="b"/>
               <a:pathLst>
-                <a:path h="196678" w="1463035">
+                <a:path w="1463035" h="196678">
                   <a:moveTo>
                     <a:pt x="71078" y="0"/>
                   </a:moveTo>
@@ -6813,11 +6784,18 @@
               <a:srgbClr val="252F3E"/>
             </a:solidFill>
           </p:spPr>
+          <p:txBody>
+            <a:bodyPr/>
+            <a:lstStyle/>
+            <a:p>
+              <a:endParaRPr lang="en-LK"/>
+            </a:p>
+          </p:txBody>
         </p:sp>
         <p:sp>
           <p:nvSpPr>
-            <p:cNvPr name="TextBox 10" id="10"/>
-            <p:cNvSpPr txBox="true"/>
+            <p:cNvPr id="10" name="TextBox 10"/>
+            <p:cNvSpPr txBox="1"/>
             <p:nvPr/>
           </p:nvSpPr>
           <p:spPr>
@@ -6830,7 +6808,7 @@
             </a:prstGeom>
           </p:spPr>
           <p:txBody>
-            <a:bodyPr anchor="ctr" rtlCol="false" tIns="50800" lIns="50800" bIns="50800" rIns="50800"/>
+            <a:bodyPr lIns="50800" tIns="50800" rIns="50800" bIns="50800" rtlCol="0" anchor="ctr"/>
             <a:lstStyle/>
             <a:p>
               <a:pPr algn="ctr">
@@ -6854,12 +6832,12 @@
       </p:grpSp>
       <p:sp>
         <p:nvSpPr>
-          <p:cNvPr name="TextBox 11" id="11"/>
-          <p:cNvSpPr txBox="true"/>
+          <p:cNvPr id="11" name="TextBox 11"/>
+          <p:cNvSpPr txBox="1"/>
           <p:nvPr/>
         </p:nvSpPr>
         <p:spPr>
-          <a:xfrm rot="0">
+          <a:xfrm>
             <a:off x="1028700" y="4259897"/>
             <a:ext cx="15506535" cy="1529080"/>
           </a:xfrm>
@@ -6868,12 +6846,12 @@
           </a:prstGeom>
         </p:spPr>
         <p:txBody>
-          <a:bodyPr anchor="t" rtlCol="false" tIns="0" lIns="0" bIns="0" rIns="0">
+          <a:bodyPr lIns="0" tIns="0" rIns="0" bIns="0" rtlCol="0" anchor="t">
             <a:spAutoFit/>
           </a:bodyPr>
           <a:lstStyle/>
           <a:p>
-            <a:pPr algn="just" marL="604519" indent="-302260" lvl="1">
+            <a:pPr marL="604519" lvl="1" indent="-302260" algn="just">
               <a:lnSpc>
                 <a:spcPts val="3919"/>
               </a:lnSpc>
@@ -6891,7 +6869,7 @@
             </a:r>
           </a:p>
           <a:p>
-            <a:pPr algn="just" marL="604519" indent="-302260" lvl="1">
+            <a:pPr marL="604519" lvl="1" indent="-302260" algn="just">
               <a:lnSpc>
                 <a:spcPts val="3919"/>
               </a:lnSpc>
@@ -6909,7 +6887,7 @@
             </a:r>
           </a:p>
           <a:p>
-            <a:pPr algn="just" marL="604519" indent="-302260" lvl="1">
+            <a:pPr marL="604519" lvl="1" indent="-302260" algn="just">
               <a:lnSpc>
                 <a:spcPts val="3919"/>
               </a:lnSpc>
@@ -6930,12 +6908,12 @@
       </p:sp>
       <p:sp>
         <p:nvSpPr>
-          <p:cNvPr name="TextBox 12" id="12"/>
-          <p:cNvSpPr txBox="true"/>
+          <p:cNvPr id="12" name="TextBox 12"/>
+          <p:cNvSpPr txBox="1"/>
           <p:nvPr/>
         </p:nvSpPr>
         <p:spPr>
-          <a:xfrm rot="0">
+          <a:xfrm>
             <a:off x="1028700" y="7202488"/>
             <a:ext cx="16230600" cy="2024380"/>
           </a:xfrm>
@@ -6944,12 +6922,12 @@
           </a:prstGeom>
         </p:spPr>
         <p:txBody>
-          <a:bodyPr anchor="t" rtlCol="false" tIns="0" lIns="0" bIns="0" rIns="0">
+          <a:bodyPr lIns="0" tIns="0" rIns="0" bIns="0" rtlCol="0" anchor="t">
             <a:spAutoFit/>
           </a:bodyPr>
           <a:lstStyle/>
           <a:p>
-            <a:pPr algn="just" marL="604519" indent="-302260" lvl="1">
+            <a:pPr marL="604519" lvl="1" indent="-302260" algn="just">
               <a:lnSpc>
                 <a:spcPts val="3919"/>
               </a:lnSpc>
@@ -6967,7 +6945,7 @@
             </a:r>
           </a:p>
           <a:p>
-            <a:pPr algn="just" marL="604519" indent="-302260" lvl="1">
+            <a:pPr marL="604519" lvl="1" indent="-302260" algn="just">
               <a:lnSpc>
                 <a:spcPts val="3919"/>
               </a:lnSpc>
@@ -6985,7 +6963,7 @@
             </a:r>
           </a:p>
           <a:p>
-            <a:pPr algn="just" marL="604519" indent="-302260" lvl="1">
+            <a:pPr marL="604519" lvl="1" indent="-302260" algn="just">
               <a:lnSpc>
                 <a:spcPts val="3919"/>
               </a:lnSpc>
@@ -7006,12 +6984,12 @@
       </p:sp>
       <p:sp>
         <p:nvSpPr>
-          <p:cNvPr name="TextBox 13" id="13"/>
-          <p:cNvSpPr txBox="true"/>
+          <p:cNvPr id="13" name="TextBox 13"/>
+          <p:cNvSpPr txBox="1"/>
           <p:nvPr/>
         </p:nvSpPr>
         <p:spPr>
-          <a:xfrm rot="0">
+          <a:xfrm>
             <a:off x="12474741" y="500682"/>
             <a:ext cx="4784559" cy="273685"/>
           </a:xfrm>
@@ -7020,7 +6998,7 @@
           </a:prstGeom>
         </p:spPr>
         <p:txBody>
-          <a:bodyPr anchor="t" rtlCol="false" tIns="0" lIns="0" bIns="0" rIns="0">
+          <a:bodyPr lIns="0" tIns="0" rIns="0" bIns="0" rtlCol="0" anchor="t">
             <a:spAutoFit/>
           </a:bodyPr>
           <a:lstStyle/>
@@ -7037,28 +7015,19 @@
                 </a:solidFill>
                 <a:latin typeface="Bricolage Grotesque Light"/>
               </a:rPr>
-              <a:t> </a:t>
-            </a:r>
-            <a:r>
-              <a:rPr lang="en-US" sz="1599">
-                <a:solidFill>
-                  <a:srgbClr val="252F3E"/>
-                </a:solidFill>
-                <a:latin typeface="Bricolage Grotesque Light"/>
-              </a:rPr>
-              <a:t>CS5229 - Big Data Analytics Technologies</a:t>
-            </a:r>
-          </a:p>
-        </p:txBody>
-      </p:sp>
-      <p:sp>
-        <p:nvSpPr>
-          <p:cNvPr name="TextBox 14" id="14"/>
-          <p:cNvSpPr txBox="true"/>
+              <a:t> CS5229 - Big Data Analytics Technologies</a:t>
+            </a:r>
+          </a:p>
+        </p:txBody>
+      </p:sp>
+      <p:sp>
+        <p:nvSpPr>
+          <p:cNvPr id="14" name="TextBox 14"/>
+          <p:cNvSpPr txBox="1"/>
           <p:nvPr/>
         </p:nvSpPr>
         <p:spPr>
-          <a:xfrm rot="0">
+          <a:xfrm>
             <a:off x="1028700" y="500682"/>
             <a:ext cx="4784559" cy="273685"/>
           </a:xfrm>
@@ -7067,7 +7036,7 @@
           </a:prstGeom>
         </p:spPr>
         <p:txBody>
-          <a:bodyPr anchor="t" rtlCol="false" tIns="0" lIns="0" bIns="0" rIns="0">
+          <a:bodyPr lIns="0" tIns="0" rIns="0" bIns="0" rtlCol="0" anchor="t">
             <a:spAutoFit/>
           </a:bodyPr>
           <a:lstStyle/>
@@ -7084,28 +7053,19 @@
                 </a:solidFill>
                 <a:latin typeface="Bricolage Grotesque Light"/>
               </a:rPr>
-              <a:t> 248233U - </a:t>
-            </a:r>
-            <a:r>
-              <a:rPr lang="en-US" sz="1599" spc="-31">
-                <a:solidFill>
-                  <a:srgbClr val="252F3E"/>
-                </a:solidFill>
-                <a:latin typeface="Bricolage Grotesque Light"/>
-              </a:rPr>
-              <a:t>J. A. A. M. JAYAWEERA</a:t>
+              <a:t> 248233U - J. A. A. M. JAYAWEERA</a:t>
             </a:r>
           </a:p>
         </p:txBody>
       </p:sp>
       <p:grpSp>
         <p:nvGrpSpPr>
-          <p:cNvPr name="Group 15" id="15"/>
+          <p:cNvPr id="15" name="Group 15"/>
           <p:cNvGrpSpPr/>
           <p:nvPr/>
         </p:nvGrpSpPr>
         <p:grpSpPr>
-          <a:xfrm rot="0">
+          <a:xfrm>
             <a:off x="16661154" y="8872920"/>
             <a:ext cx="983526" cy="994585"/>
             <a:chOff x="0" y="0"/>
@@ -7114,12 +7074,12 @@
         </p:grpSpPr>
         <p:sp>
           <p:nvSpPr>
-            <p:cNvPr name="Freeform 16" id="16"/>
+            <p:cNvPr id="16" name="Freeform 16"/>
             <p:cNvSpPr/>
             <p:nvPr/>
           </p:nvSpPr>
           <p:spPr>
-            <a:xfrm flipH="false" flipV="false" rot="0">
+            <a:xfrm>
               <a:off x="0" y="0"/>
               <a:ext cx="1037170" cy="1048832"/>
             </a:xfrm>
@@ -7128,9 +7088,9 @@
               <a:gdLst/>
               <a:ahLst/>
               <a:cxnLst/>
-              <a:rect r="r" b="b" t="t" l="l"/>
+              <a:rect l="l" t="t" r="r" b="b"/>
               <a:pathLst>
-                <a:path h="1048832" w="1037170">
+                <a:path w="1037170" h="1048832">
                   <a:moveTo>
                     <a:pt x="518585" y="0"/>
                   </a:moveTo>
@@ -7162,11 +7122,18 @@
               <a:srgbClr val="EF8508"/>
             </a:solidFill>
           </p:spPr>
+          <p:txBody>
+            <a:bodyPr/>
+            <a:lstStyle/>
+            <a:p>
+              <a:endParaRPr lang="en-LK"/>
+            </a:p>
+          </p:txBody>
         </p:sp>
         <p:sp>
           <p:nvSpPr>
-            <p:cNvPr name="TextBox 17" id="17"/>
-            <p:cNvSpPr txBox="true"/>
+            <p:cNvPr id="17" name="TextBox 17"/>
+            <p:cNvSpPr txBox="1"/>
             <p:nvPr/>
           </p:nvSpPr>
           <p:spPr>
@@ -7179,7 +7146,7 @@
             </a:prstGeom>
           </p:spPr>
           <p:txBody>
-            <a:bodyPr anchor="ctr" rtlCol="false" tIns="50800" lIns="50800" bIns="50800" rIns="50800"/>
+            <a:bodyPr lIns="50800" tIns="50800" rIns="50800" bIns="50800" rtlCol="0" anchor="ctr"/>
             <a:lstStyle/>
             <a:p>
               <a:pPr algn="ctr">
@@ -7209,13 +7176,14 @@
 </file>
 
 <file path=ppt/slides/slide8.xml><?xml version="1.0" encoding="utf-8"?>
-<p:sld xmlns:p="http://schemas.openxmlformats.org/presentationml/2006/main" xmlns:a="http://schemas.openxmlformats.org/drawingml/2006/main" xmlns:r="http://schemas.openxmlformats.org/officeDocument/2006/relationships">
+<p:sld xmlns:a="http://schemas.openxmlformats.org/drawingml/2006/main" xmlns:r="http://schemas.openxmlformats.org/officeDocument/2006/relationships" xmlns:p="http://schemas.openxmlformats.org/presentationml/2006/main">
   <p:cSld>
     <p:bg>
       <p:bgPr>
         <a:solidFill>
           <a:srgbClr val="252F3E"/>
         </a:solidFill>
+        <a:effectLst/>
       </p:bgPr>
     </p:bg>
     <p:spTree>
@@ -7234,12 +7202,12 @@
       </p:grpSpPr>
       <p:sp>
         <p:nvSpPr>
-          <p:cNvPr name="TextBox 2" id="2"/>
-          <p:cNvSpPr txBox="true"/>
+          <p:cNvPr id="2" name="TextBox 2"/>
+          <p:cNvSpPr txBox="1"/>
           <p:nvPr/>
         </p:nvSpPr>
         <p:spPr>
-          <a:xfrm rot="0">
+          <a:xfrm>
             <a:off x="4369827" y="2138303"/>
             <a:ext cx="9548346" cy="909955"/>
           </a:xfrm>
@@ -7248,7 +7216,7 @@
           </a:prstGeom>
         </p:spPr>
         <p:txBody>
-          <a:bodyPr anchor="t" rtlCol="false" tIns="0" lIns="0" bIns="0" rIns="0">
+          <a:bodyPr lIns="0" tIns="0" rIns="0" bIns="0" rtlCol="0" anchor="t">
             <a:spAutoFit/>
           </a:bodyPr>
           <a:lstStyle/>
@@ -7272,12 +7240,12 @@
       </p:sp>
       <p:sp>
         <p:nvSpPr>
-          <p:cNvPr name="TextBox 3" id="3"/>
-          <p:cNvSpPr txBox="true"/>
+          <p:cNvPr id="3" name="TextBox 3"/>
+          <p:cNvSpPr txBox="1"/>
           <p:nvPr/>
         </p:nvSpPr>
         <p:spPr>
-          <a:xfrm rot="0">
+          <a:xfrm>
             <a:off x="12474741" y="500682"/>
             <a:ext cx="4784559" cy="273685"/>
           </a:xfrm>
@@ -7286,7 +7254,7 @@
           </a:prstGeom>
         </p:spPr>
         <p:txBody>
-          <a:bodyPr anchor="t" rtlCol="false" tIns="0" lIns="0" bIns="0" rIns="0">
+          <a:bodyPr lIns="0" tIns="0" rIns="0" bIns="0" rtlCol="0" anchor="t">
             <a:spAutoFit/>
           </a:bodyPr>
           <a:lstStyle/>
@@ -7303,28 +7271,19 @@
                 </a:solidFill>
                 <a:latin typeface="Bricolage Grotesque Light"/>
               </a:rPr>
-              <a:t> </a:t>
-            </a:r>
-            <a:r>
-              <a:rPr lang="en-US" sz="1599">
-                <a:solidFill>
-                  <a:srgbClr val="EF8508"/>
-                </a:solidFill>
-                <a:latin typeface="Bricolage Grotesque Light"/>
-              </a:rPr>
-              <a:t>CS5229 - Big Data Analytics Technologies</a:t>
-            </a:r>
-          </a:p>
-        </p:txBody>
-      </p:sp>
-      <p:sp>
-        <p:nvSpPr>
-          <p:cNvPr name="TextBox 4" id="4"/>
-          <p:cNvSpPr txBox="true"/>
+              <a:t> CS5229 - Big Data Analytics Technologies</a:t>
+            </a:r>
+          </a:p>
+        </p:txBody>
+      </p:sp>
+      <p:sp>
+        <p:nvSpPr>
+          <p:cNvPr id="4" name="TextBox 4"/>
+          <p:cNvSpPr txBox="1"/>
           <p:nvPr/>
         </p:nvSpPr>
         <p:spPr>
-          <a:xfrm rot="0">
+          <a:xfrm>
             <a:off x="3510570" y="3609340"/>
             <a:ext cx="11266860" cy="3011170"/>
           </a:xfrm>
@@ -7333,12 +7292,12 @@
           </a:prstGeom>
         </p:spPr>
         <p:txBody>
-          <a:bodyPr anchor="t" rtlCol="false" tIns="0" lIns="0" bIns="0" rIns="0">
+          <a:bodyPr lIns="0" tIns="0" rIns="0" bIns="0" rtlCol="0" anchor="t">
             <a:spAutoFit/>
           </a:bodyPr>
           <a:lstStyle/>
           <a:p>
-            <a:pPr algn="ctr" marL="604519" indent="-302260" lvl="1">
+            <a:pPr marL="604519" lvl="1" indent="-302260" algn="ctr">
               <a:lnSpc>
                 <a:spcPts val="3919"/>
               </a:lnSpc>
@@ -7361,9 +7320,15 @@
                 <a:spcPts val="3919"/>
               </a:lnSpc>
             </a:pPr>
-          </a:p>
-          <a:p>
-            <a:pPr algn="ctr" marL="604519" indent="-302260" lvl="1">
+            <a:endParaRPr lang="en-US" sz="2799">
+              <a:solidFill>
+                <a:srgbClr val="FFFFFF"/>
+              </a:solidFill>
+              <a:latin typeface="HK Grotesk"/>
+            </a:endParaRPr>
+          </a:p>
+          <a:p>
+            <a:pPr marL="604519" lvl="1" indent="-302260" algn="ctr">
               <a:lnSpc>
                 <a:spcPts val="3919"/>
               </a:lnSpc>
@@ -7384,12 +7349,12 @@
       </p:sp>
       <p:sp>
         <p:nvSpPr>
-          <p:cNvPr name="Freeform 5" id="5"/>
+          <p:cNvPr id="5" name="Freeform 5"/>
           <p:cNvSpPr/>
           <p:nvPr/>
         </p:nvSpPr>
         <p:spPr>
-          <a:xfrm flipH="false" flipV="false" rot="4326401">
+          <a:xfrm rot="4326401">
             <a:off x="-1602837" y="4162617"/>
             <a:ext cx="14975430" cy="12945611"/>
           </a:xfrm>
@@ -7398,9 +7363,9 @@
             <a:gdLst/>
             <a:ahLst/>
             <a:cxnLst/>
-            <a:rect r="r" b="b" t="t" l="l"/>
+            <a:rect l="l" t="t" r="r" b="b"/>
             <a:pathLst>
-              <a:path h="12945611" w="14975430">
+              <a:path w="14975430" h="12945611">
                 <a:moveTo>
                   <a:pt x="0" y="0"/>
                 </a:moveTo>
@@ -7430,19 +7395,26 @@
               </a:extLst>
             </a:blip>
             <a:stretch>
-              <a:fillRect l="0" t="0" r="0" b="0"/>
+              <a:fillRect/>
             </a:stretch>
           </a:blipFill>
         </p:spPr>
-      </p:sp>
-      <p:sp>
-        <p:nvSpPr>
-          <p:cNvPr name="TextBox 6" id="6"/>
-          <p:cNvSpPr txBox="true"/>
+        <p:txBody>
+          <a:bodyPr/>
+          <a:lstStyle/>
+          <a:p>
+            <a:endParaRPr lang="en-LK"/>
+          </a:p>
+        </p:txBody>
+      </p:sp>
+      <p:sp>
+        <p:nvSpPr>
+          <p:cNvPr id="6" name="TextBox 6"/>
+          <p:cNvSpPr txBox="1"/>
           <p:nvPr/>
         </p:nvSpPr>
         <p:spPr>
-          <a:xfrm rot="0">
+          <a:xfrm>
             <a:off x="1028700" y="500682"/>
             <a:ext cx="4784559" cy="273685"/>
           </a:xfrm>
@@ -7451,7 +7423,7 @@
           </a:prstGeom>
         </p:spPr>
         <p:txBody>
-          <a:bodyPr anchor="t" rtlCol="false" tIns="0" lIns="0" bIns="0" rIns="0">
+          <a:bodyPr lIns="0" tIns="0" rIns="0" bIns="0" rtlCol="0" anchor="t">
             <a:spAutoFit/>
           </a:bodyPr>
           <a:lstStyle/>
@@ -7468,28 +7440,19 @@
                 </a:solidFill>
                 <a:latin typeface="Bricolage Grotesque Light"/>
               </a:rPr>
-              <a:t> 248233U - </a:t>
-            </a:r>
-            <a:r>
-              <a:rPr lang="en-US" sz="1599" spc="-31">
-                <a:solidFill>
-                  <a:srgbClr val="EF8508"/>
-                </a:solidFill>
-                <a:latin typeface="Bricolage Grotesque Light"/>
-              </a:rPr>
-              <a:t>J. A. A. M. JAYAWEERA</a:t>
+              <a:t> 248233U - J. A. A. M. JAYAWEERA</a:t>
             </a:r>
           </a:p>
         </p:txBody>
       </p:sp>
       <p:grpSp>
         <p:nvGrpSpPr>
-          <p:cNvPr name="Group 7" id="7"/>
+          <p:cNvPr id="7" name="Group 7"/>
           <p:cNvGrpSpPr/>
           <p:nvPr/>
         </p:nvGrpSpPr>
         <p:grpSpPr>
-          <a:xfrm rot="0">
+          <a:xfrm>
             <a:off x="16661154" y="8872920"/>
             <a:ext cx="983526" cy="994585"/>
             <a:chOff x="0" y="0"/>
@@ -7498,12 +7461,12 @@
         </p:grpSpPr>
         <p:sp>
           <p:nvSpPr>
-            <p:cNvPr name="Freeform 8" id="8"/>
+            <p:cNvPr id="8" name="Freeform 8"/>
             <p:cNvSpPr/>
             <p:nvPr/>
           </p:nvSpPr>
           <p:spPr>
-            <a:xfrm flipH="false" flipV="false" rot="0">
+            <a:xfrm>
               <a:off x="0" y="0"/>
               <a:ext cx="1037170" cy="1048832"/>
             </a:xfrm>
@@ -7512,9 +7475,9 @@
               <a:gdLst/>
               <a:ahLst/>
               <a:cxnLst/>
-              <a:rect r="r" b="b" t="t" l="l"/>
+              <a:rect l="l" t="t" r="r" b="b"/>
               <a:pathLst>
-                <a:path h="1048832" w="1037170">
+                <a:path w="1037170" h="1048832">
                   <a:moveTo>
                     <a:pt x="518585" y="0"/>
                   </a:moveTo>
@@ -7546,11 +7509,18 @@
               <a:srgbClr val="EF8508"/>
             </a:solidFill>
           </p:spPr>
+          <p:txBody>
+            <a:bodyPr/>
+            <a:lstStyle/>
+            <a:p>
+              <a:endParaRPr lang="en-LK"/>
+            </a:p>
+          </p:txBody>
         </p:sp>
         <p:sp>
           <p:nvSpPr>
-            <p:cNvPr name="TextBox 9" id="9"/>
-            <p:cNvSpPr txBox="true"/>
+            <p:cNvPr id="9" name="TextBox 9"/>
+            <p:cNvSpPr txBox="1"/>
             <p:nvPr/>
           </p:nvSpPr>
           <p:spPr>
@@ -7563,7 +7533,7 @@
             </a:prstGeom>
           </p:spPr>
           <p:txBody>
-            <a:bodyPr anchor="ctr" rtlCol="false" tIns="50800" lIns="50800" bIns="50800" rIns="50800"/>
+            <a:bodyPr lIns="50800" tIns="50800" rIns="50800" bIns="50800" rtlCol="0" anchor="ctr"/>
             <a:lstStyle/>
             <a:p>
               <a:pPr algn="ctr">
@@ -7593,13 +7563,14 @@
 </file>
 
 <file path=ppt/slides/slide9.xml><?xml version="1.0" encoding="utf-8"?>
-<p:sld xmlns:p="http://schemas.openxmlformats.org/presentationml/2006/main" xmlns:a="http://schemas.openxmlformats.org/drawingml/2006/main" xmlns:r="http://schemas.openxmlformats.org/officeDocument/2006/relationships">
+<p:sld xmlns:a="http://schemas.openxmlformats.org/drawingml/2006/main" xmlns:r="http://schemas.openxmlformats.org/officeDocument/2006/relationships" xmlns:p="http://schemas.openxmlformats.org/presentationml/2006/main">
   <p:cSld>
     <p:bg>
       <p:bgPr>
         <a:solidFill>
           <a:srgbClr val="EF8508"/>
         </a:solidFill>
+        <a:effectLst/>
       </p:bgPr>
     </p:bg>
     <p:spTree>
@@ -7618,12 +7589,12 @@
       </p:grpSpPr>
       <p:sp>
         <p:nvSpPr>
-          <p:cNvPr name="TextBox 2" id="2"/>
-          <p:cNvSpPr txBox="true"/>
+          <p:cNvPr id="2" name="TextBox 2"/>
+          <p:cNvSpPr txBox="1"/>
           <p:nvPr/>
         </p:nvSpPr>
         <p:spPr>
-          <a:xfrm rot="0">
+          <a:xfrm>
             <a:off x="4369827" y="4086437"/>
             <a:ext cx="9548346" cy="909955"/>
           </a:xfrm>
@@ -7632,7 +7603,7 @@
           </a:prstGeom>
         </p:spPr>
         <p:txBody>
-          <a:bodyPr anchor="t" rtlCol="false" tIns="0" lIns="0" bIns="0" rIns="0">
+          <a:bodyPr lIns="0" tIns="0" rIns="0" bIns="0" rtlCol="0" anchor="t">
             <a:spAutoFit/>
           </a:bodyPr>
           <a:lstStyle/>
@@ -7656,12 +7627,12 @@
       </p:sp>
       <p:sp>
         <p:nvSpPr>
-          <p:cNvPr name="Freeform 3" id="3"/>
+          <p:cNvPr id="3" name="Freeform 3"/>
           <p:cNvSpPr/>
           <p:nvPr/>
         </p:nvSpPr>
         <p:spPr>
-          <a:xfrm flipH="false" flipV="false" rot="708455">
+          <a:xfrm rot="708455">
             <a:off x="7379306" y="583268"/>
             <a:ext cx="14975430" cy="12945611"/>
           </a:xfrm>
@@ -7670,9 +7641,9 @@
             <a:gdLst/>
             <a:ahLst/>
             <a:cxnLst/>
-            <a:rect r="r" b="b" t="t" l="l"/>
+            <a:rect l="l" t="t" r="r" b="b"/>
             <a:pathLst>
-              <a:path h="12945611" w="14975430">
+              <a:path w="14975430" h="12945611">
                 <a:moveTo>
                   <a:pt x="0" y="0"/>
                 </a:moveTo>
@@ -7702,19 +7673,26 @@
               </a:extLst>
             </a:blip>
             <a:stretch>
-              <a:fillRect l="0" t="0" r="0" b="0"/>
+              <a:fillRect/>
             </a:stretch>
           </a:blipFill>
         </p:spPr>
-      </p:sp>
-      <p:sp>
-        <p:nvSpPr>
-          <p:cNvPr name="TextBox 4" id="4"/>
-          <p:cNvSpPr txBox="true"/>
+        <p:txBody>
+          <a:bodyPr/>
+          <a:lstStyle/>
+          <a:p>
+            <a:endParaRPr lang="en-LK"/>
+          </a:p>
+        </p:txBody>
+      </p:sp>
+      <p:sp>
+        <p:nvSpPr>
+          <p:cNvPr id="4" name="TextBox 4"/>
+          <p:cNvSpPr txBox="1"/>
           <p:nvPr/>
         </p:nvSpPr>
         <p:spPr>
-          <a:xfrm rot="0">
+          <a:xfrm>
             <a:off x="12474741" y="500682"/>
             <a:ext cx="4784559" cy="273685"/>
           </a:xfrm>
@@ -7723,7 +7701,7 @@
           </a:prstGeom>
         </p:spPr>
         <p:txBody>
-          <a:bodyPr anchor="t" rtlCol="false" tIns="0" lIns="0" bIns="0" rIns="0">
+          <a:bodyPr lIns="0" tIns="0" rIns="0" bIns="0" rtlCol="0" anchor="t">
             <a:spAutoFit/>
           </a:bodyPr>
           <a:lstStyle/>
@@ -7740,28 +7718,19 @@
                 </a:solidFill>
                 <a:latin typeface="Bricolage Grotesque Light"/>
               </a:rPr>
-              <a:t> </a:t>
-            </a:r>
-            <a:r>
-              <a:rPr lang="en-US" sz="1599">
-                <a:solidFill>
-                  <a:srgbClr val="FFFFFF"/>
-                </a:solidFill>
-                <a:latin typeface="Bricolage Grotesque Light"/>
-              </a:rPr>
-              <a:t>CS5229 - Big Data Analytics Technologies</a:t>
-            </a:r>
-          </a:p>
-        </p:txBody>
-      </p:sp>
-      <p:sp>
-        <p:nvSpPr>
-          <p:cNvPr name="TextBox 5" id="5"/>
-          <p:cNvSpPr txBox="true"/>
+              <a:t> CS5229 - Big Data Analytics Technologies</a:t>
+            </a:r>
+          </a:p>
+        </p:txBody>
+      </p:sp>
+      <p:sp>
+        <p:nvSpPr>
+          <p:cNvPr id="5" name="TextBox 5"/>
+          <p:cNvSpPr txBox="1"/>
           <p:nvPr/>
         </p:nvSpPr>
         <p:spPr>
-          <a:xfrm rot="0">
+          <a:xfrm>
             <a:off x="1028700" y="500682"/>
             <a:ext cx="4784559" cy="273685"/>
           </a:xfrm>
@@ -7770,7 +7739,7 @@
           </a:prstGeom>
         </p:spPr>
         <p:txBody>
-          <a:bodyPr anchor="t" rtlCol="false" tIns="0" lIns="0" bIns="0" rIns="0">
+          <a:bodyPr lIns="0" tIns="0" rIns="0" bIns="0" rtlCol="0" anchor="t">
             <a:spAutoFit/>
           </a:bodyPr>
           <a:lstStyle/>
@@ -7787,28 +7756,19 @@
                 </a:solidFill>
                 <a:latin typeface="Bricolage Grotesque Light"/>
               </a:rPr>
-              <a:t> 248233U - </a:t>
-            </a:r>
-            <a:r>
-              <a:rPr lang="en-US" sz="1599" spc="-31">
-                <a:solidFill>
-                  <a:srgbClr val="FFFFFF"/>
-                </a:solidFill>
-                <a:latin typeface="Bricolage Grotesque Light"/>
-              </a:rPr>
-              <a:t>J. A. A. M. Jayaweera</a:t>
+              <a:t> 248233U - J. A. A. M. Jayaweera</a:t>
             </a:r>
           </a:p>
         </p:txBody>
       </p:sp>
       <p:grpSp>
         <p:nvGrpSpPr>
-          <p:cNvPr name="Group 6" id="6"/>
+          <p:cNvPr id="6" name="Group 6"/>
           <p:cNvGrpSpPr/>
           <p:nvPr/>
         </p:nvGrpSpPr>
         <p:grpSpPr>
-          <a:xfrm rot="0">
+          <a:xfrm>
             <a:off x="16661154" y="8872920"/>
             <a:ext cx="983526" cy="994585"/>
             <a:chOff x="0" y="0"/>
@@ -7817,12 +7777,12 @@
         </p:grpSpPr>
         <p:sp>
           <p:nvSpPr>
-            <p:cNvPr name="Freeform 7" id="7"/>
+            <p:cNvPr id="7" name="Freeform 7"/>
             <p:cNvSpPr/>
             <p:nvPr/>
           </p:nvSpPr>
           <p:spPr>
-            <a:xfrm flipH="false" flipV="false" rot="0">
+            <a:xfrm>
               <a:off x="0" y="0"/>
               <a:ext cx="1037170" cy="1048832"/>
             </a:xfrm>
@@ -7831,9 +7791,9 @@
               <a:gdLst/>
               <a:ahLst/>
               <a:cxnLst/>
-              <a:rect r="r" b="b" t="t" l="l"/>
+              <a:rect l="l" t="t" r="r" b="b"/>
               <a:pathLst>
-                <a:path h="1048832" w="1037170">
+                <a:path w="1037170" h="1048832">
                   <a:moveTo>
                     <a:pt x="518585" y="0"/>
                   </a:moveTo>
@@ -7865,11 +7825,18 @@
               <a:srgbClr val="EF8508"/>
             </a:solidFill>
           </p:spPr>
+          <p:txBody>
+            <a:bodyPr/>
+            <a:lstStyle/>
+            <a:p>
+              <a:endParaRPr lang="en-LK"/>
+            </a:p>
+          </p:txBody>
         </p:sp>
         <p:sp>
           <p:nvSpPr>
-            <p:cNvPr name="TextBox 8" id="8"/>
-            <p:cNvSpPr txBox="true"/>
+            <p:cNvPr id="8" name="TextBox 8"/>
+            <p:cNvSpPr txBox="1"/>
             <p:nvPr/>
           </p:nvSpPr>
           <p:spPr>
@@ -7882,7 +7849,7 @@
             </a:prstGeom>
           </p:spPr>
           <p:txBody>
-            <a:bodyPr anchor="ctr" rtlCol="false" tIns="50800" lIns="50800" bIns="50800" rIns="50800"/>
+            <a:bodyPr lIns="50800" tIns="50800" rIns="50800" bIns="50800" rtlCol="0" anchor="ctr"/>
             <a:lstStyle/>
             <a:p>
               <a:pPr algn="ctr">
